--- a/Создание бота, как искусственного интеллекта посредством языка.pptx
+++ b/Создание бота, как искусственного интеллекта посредством языка.pptx
@@ -3524,8 +3524,8 @@
         </p:nvSpPr>
         <p:spPr>
           <a:xfrm>
-            <a:off x="3869268" y="864108"/>
-            <a:ext cx="7315200" cy="3191425"/>
+            <a:off x="3869268" y="864109"/>
+            <a:ext cx="7315200" cy="1239012"/>
           </a:xfrm>
         </p:spPr>
         <p:txBody>
@@ -3539,19 +3539,56 @@
               <a:buNone/>
             </a:pPr>
             <a:r>
+              <a:rPr lang="ru-RU" dirty="0" smtClean="0">
+                <a:solidFill>
+                  <a:schemeClr val="tx1"/>
+                </a:solidFill>
+              </a:rPr>
+              <a:t>“</a:t>
+            </a:r>
+            <a:r>
               <a:rPr lang="ru-RU" dirty="0">
                 <a:solidFill>
                   <a:schemeClr val="tx1"/>
                 </a:solidFill>
               </a:rPr>
-              <a:t>Следующим действием нужно будет настроить бота для работы с сообщения, которые мы будем ему посылать. Переходим во вкладку “Управление” –&gt; “Работа с API” -&gt; “Создать ключ”. Получившийся ключ сохраняем</a:t>
+              <a:t>Управление” –&gt; “Работа с API” -&gt; “Создать ключ”. </a:t>
+            </a:r>
+            <a:endParaRPr lang="ru-RU" dirty="0" smtClean="0">
+              <a:solidFill>
+                <a:schemeClr val="tx1"/>
+              </a:solidFill>
+            </a:endParaRPr>
+          </a:p>
+          <a:p>
+            <a:pPr marL="0" indent="0">
+              <a:lnSpc>
+                <a:spcPct val="150000"/>
+              </a:lnSpc>
+              <a:buNone/>
+            </a:pPr>
+            <a:r>
+              <a:rPr lang="ru-RU" dirty="0" smtClean="0">
+                <a:solidFill>
+                  <a:schemeClr val="tx1"/>
+                </a:solidFill>
+              </a:rPr>
+              <a:t>Ключ </a:t>
+            </a:r>
+            <a:r>
+              <a:rPr lang="ru-RU" dirty="0">
+                <a:solidFill>
+                  <a:schemeClr val="tx1"/>
+                </a:solidFill>
+              </a:rPr>
+              <a:t>сохраняем</a:t>
             </a:r>
           </a:p>
         </p:txBody>
       </p:sp>
       <p:pic>
         <p:nvPicPr>
-          <p:cNvPr id="6" name="Рисунок 1"/>
+          <p:cNvPr id="7" name="Picture 1" descr="8"/>
           <p:cNvPicPr>
             <a:picLocks noChangeAspect="1" noChangeArrowheads="1"/>
           </p:cNvPicPr>
@@ -3572,13 +3609,21 @@
         </p:blipFill>
         <p:spPr bwMode="auto">
           <a:xfrm>
-            <a:off x="3869268" y="3656522"/>
-            <a:ext cx="7478152" cy="1669487"/>
+            <a:off x="4090419" y="2202872"/>
+            <a:ext cx="6391431" cy="3715789"/>
           </a:xfrm>
           <a:prstGeom prst="rect">
             <a:avLst/>
           </a:prstGeom>
           <a:noFill/>
+          <a:ln>
+            <a:solidFill>
+              <a:schemeClr val="tx1">
+                <a:lumMod val="65000"/>
+                <a:lumOff val="35000"/>
+              </a:schemeClr>
+            </a:solidFill>
+          </a:ln>
           <a:extLst>
             <a:ext uri="{909E8E84-426E-40DD-AFC4-6F175D3DCCD1}">
               <a14:hiddenFill xmlns:a14="http://schemas.microsoft.com/office/drawing/2010/main">
@@ -3600,6 +3645,13 @@
   <p:clrMapOvr>
     <a:masterClrMapping/>
   </p:clrMapOvr>
+  <p:timing>
+    <p:tnLst>
+      <p:par>
+        <p:cTn id="1" dur="indefinite" restart="never" nodeType="tmRoot"/>
+      </p:par>
+    </p:tnLst>
+  </p:timing>
 </p:sld>
 </file>
 
@@ -3671,6 +3723,13 @@
   <p:clrMapOvr>
     <a:masterClrMapping/>
   </p:clrMapOvr>
+  <p:timing>
+    <p:tnLst>
+      <p:par>
+        <p:cTn id="1" dur="indefinite" restart="never" nodeType="tmRoot"/>
+      </p:par>
+    </p:tnLst>
+  </p:timing>
 </p:sld>
 </file>
 
@@ -3740,7 +3799,7 @@
               <a:buNone/>
             </a:pPr>
             <a:r>
-              <a:rPr lang="ru-RU" b="1" dirty="0">
+              <a:rPr lang="ru-RU" sz="2600" b="1" dirty="0">
                 <a:solidFill>
                   <a:schemeClr val="tx1"/>
                 </a:solidFill>
@@ -3748,7 +3807,7 @@
               <a:t>Цель работы:</a:t>
             </a:r>
             <a:r>
-              <a:rPr lang="ru-RU" dirty="0">
+              <a:rPr lang="ru-RU" sz="2600" dirty="0">
                 <a:solidFill>
                   <a:schemeClr val="tx1"/>
                 </a:solidFill>
@@ -3756,7 +3815,7 @@
               <a:t> создание  чат-бота в социальной сети </a:t>
             </a:r>
             <a:r>
-              <a:rPr lang="ru-RU" dirty="0" err="1">
+              <a:rPr lang="ru-RU" sz="2600" dirty="0" err="1">
                 <a:solidFill>
                   <a:schemeClr val="tx1"/>
                 </a:solidFill>
@@ -3764,7 +3823,7 @@
               <a:t>Вконтакте</a:t>
             </a:r>
             <a:r>
-              <a:rPr lang="ru-RU" dirty="0">
+              <a:rPr lang="ru-RU" sz="2600" dirty="0">
                 <a:solidFill>
                   <a:schemeClr val="tx1"/>
                 </a:solidFill>
@@ -3780,7 +3839,7 @@
               <a:buNone/>
             </a:pPr>
             <a:r>
-              <a:rPr lang="ru-RU" dirty="0">
+              <a:rPr lang="ru-RU" sz="2600" dirty="0">
                 <a:solidFill>
                   <a:schemeClr val="tx1"/>
                 </a:solidFill>
@@ -3793,10 +3852,13 @@
               <a:lnSpc>
                 <a:spcPct val="120000"/>
               </a:lnSpc>
+              <a:spcBef>
+                <a:spcPts val="0"/>
+              </a:spcBef>
               <a:buNone/>
             </a:pPr>
             <a:r>
-              <a:rPr lang="ru-RU" b="1" dirty="0">
+              <a:rPr lang="ru-RU" sz="2600" b="1" dirty="0">
                 <a:solidFill>
                   <a:schemeClr val="tx1"/>
                 </a:solidFill>
@@ -3804,7 +3866,7 @@
               <a:t>Задачи:</a:t>
             </a:r>
             <a:r>
-              <a:rPr lang="ru-RU" dirty="0">
+              <a:rPr lang="ru-RU" sz="2600" dirty="0">
                 <a:solidFill>
                   <a:schemeClr val="tx1"/>
                 </a:solidFill>
@@ -3817,10 +3879,13 @@
               <a:lnSpc>
                 <a:spcPct val="120000"/>
               </a:lnSpc>
+              <a:spcBef>
+                <a:spcPts val="0"/>
+              </a:spcBef>
               <a:buNone/>
             </a:pPr>
             <a:r>
-              <a:rPr lang="ru-RU" dirty="0">
+              <a:rPr lang="ru-RU" sz="2600" dirty="0">
                 <a:solidFill>
                   <a:schemeClr val="tx1"/>
                 </a:solidFill>
@@ -3828,36 +3893,60 @@
               <a:t>1) изучить историю создания </a:t>
             </a:r>
             <a:r>
-              <a:rPr lang="ru-RU" dirty="0" smtClean="0">
-                <a:solidFill>
-                  <a:schemeClr val="tx1"/>
-                </a:solidFill>
-              </a:rPr>
-              <a:t>искусственного </a:t>
-            </a:r>
-            <a:r>
-              <a:rPr lang="ru-RU" dirty="0">
-                <a:solidFill>
-                  <a:schemeClr val="tx1"/>
-                </a:solidFill>
-              </a:rPr>
-              <a:t>интеллекта</a:t>
-            </a:r>
+              <a:rPr lang="ru-RU" sz="2600" dirty="0" smtClean="0">
+                <a:solidFill>
+                  <a:schemeClr val="tx1"/>
+                </a:solidFill>
+              </a:rPr>
+              <a:t>искусственного интеллекта</a:t>
+            </a:r>
+            <a:r>
+              <a:rPr lang="ru-RU" sz="2600" dirty="0">
+                <a:solidFill>
+                  <a:schemeClr val="tx1"/>
+                </a:solidFill>
+              </a:rPr>
+              <a:t>;</a:t>
+            </a:r>
+            <a:endParaRPr lang="ru-RU" sz="2600" dirty="0">
+              <a:solidFill>
+                <a:schemeClr val="tx1"/>
+              </a:solidFill>
+            </a:endParaRPr>
           </a:p>
           <a:p>
             <a:pPr marL="0" indent="0">
               <a:lnSpc>
                 <a:spcPct val="120000"/>
               </a:lnSpc>
+              <a:spcBef>
+                <a:spcPts val="0"/>
+              </a:spcBef>
               <a:buNone/>
             </a:pPr>
             <a:r>
-              <a:rPr lang="ru-RU" dirty="0">
-                <a:solidFill>
-                  <a:schemeClr val="tx1"/>
-                </a:solidFill>
-              </a:rPr>
-              <a:t>2) Изучить и выбрать инструменты для создания чат-ботов; </a:t>
+              <a:rPr lang="ru-RU" sz="2600" dirty="0">
+                <a:solidFill>
+                  <a:schemeClr val="tx1"/>
+                </a:solidFill>
+              </a:rPr>
+              <a:t>2) </a:t>
+            </a:r>
+            <a:r>
+              <a:rPr lang="ru-RU" sz="2600" dirty="0" smtClean="0">
+                <a:solidFill>
+                  <a:schemeClr val="tx1"/>
+                </a:solidFill>
+              </a:rPr>
+              <a:t>изучить </a:t>
+            </a:r>
+            <a:r>
+              <a:rPr lang="ru-RU" sz="2600" dirty="0">
+                <a:solidFill>
+                  <a:schemeClr val="tx1"/>
+                </a:solidFill>
+              </a:rPr>
+              <a:t>и выбрать инструменты для создания чат-ботов; </a:t>
             </a:r>
           </a:p>
           <a:p>
@@ -3865,25 +3954,52 @@
               <a:lnSpc>
                 <a:spcPct val="120000"/>
               </a:lnSpc>
+              <a:spcBef>
+                <a:spcPts val="0"/>
+              </a:spcBef>
               <a:buNone/>
             </a:pPr>
             <a:r>
-              <a:rPr lang="ru-RU" dirty="0">
-                <a:solidFill>
-                  <a:schemeClr val="tx1"/>
-                </a:solidFill>
-              </a:rPr>
-              <a:t>3) Написать код для  чат-бота </a:t>
-            </a:r>
-            <a:r>
-              <a:rPr lang="ru-RU" dirty="0" err="1">
+              <a:rPr lang="ru-RU" sz="2600" dirty="0">
+                <a:solidFill>
+                  <a:schemeClr val="tx1"/>
+                </a:solidFill>
+              </a:rPr>
+              <a:t>3) </a:t>
+            </a:r>
+            <a:r>
+              <a:rPr lang="ru-RU" sz="2600" dirty="0" smtClean="0">
+                <a:solidFill>
+                  <a:schemeClr val="tx1"/>
+                </a:solidFill>
+              </a:rPr>
+              <a:t>написать </a:t>
+            </a:r>
+            <a:r>
+              <a:rPr lang="ru-RU" sz="2600" dirty="0">
+                <a:solidFill>
+                  <a:schemeClr val="tx1"/>
+                </a:solidFill>
+              </a:rPr>
+              <a:t>код для  чат-бота </a:t>
+            </a:r>
+            <a:r>
+              <a:rPr lang="ru-RU" sz="2600" dirty="0" err="1" smtClean="0">
                 <a:solidFill>
                   <a:schemeClr val="tx1"/>
                 </a:solidFill>
               </a:rPr>
               <a:t>Вконтакте</a:t>
             </a:r>
-            <a:endParaRPr lang="ru-RU" dirty="0">
+            <a:r>
+              <a:rPr lang="ru-RU" sz="2600" dirty="0" smtClean="0">
+                <a:solidFill>
+                  <a:schemeClr val="tx1"/>
+                </a:solidFill>
+              </a:rPr>
+              <a:t>.</a:t>
+            </a:r>
+            <a:endParaRPr lang="ru-RU" sz="2600" dirty="0">
               <a:solidFill>
                 <a:schemeClr val="tx1"/>
               </a:solidFill>
@@ -3913,7 +4029,7 @@
               <a:buNone/>
             </a:pPr>
             <a:r>
-              <a:rPr lang="ru-RU" b="1" dirty="0">
+              <a:rPr lang="ru-RU" sz="2600" b="1" dirty="0">
                 <a:solidFill>
                   <a:schemeClr val="tx1"/>
                 </a:solidFill>
@@ -3921,31 +4037,23 @@
               <a:t>Предметы изучения</a:t>
             </a:r>
             <a:r>
-              <a:rPr lang="ru-RU" dirty="0">
-                <a:solidFill>
-                  <a:schemeClr val="tx1"/>
-                </a:solidFill>
-              </a:rPr>
-              <a:t>: социальная сеть </a:t>
-            </a:r>
-            <a:r>
-              <a:rPr lang="ru-RU" dirty="0" err="1">
-                <a:solidFill>
-                  <a:schemeClr val="tx1"/>
-                </a:solidFill>
-              </a:rPr>
-              <a:t>Вконтакте</a:t>
-            </a:r>
-            <a:r>
-              <a:rPr lang="ru-RU" dirty="0">
-                <a:solidFill>
-                  <a:schemeClr val="tx1"/>
-                </a:solidFill>
-              </a:rPr>
-              <a:t>, язык программирования </a:t>
-            </a:r>
-            <a:r>
-              <a:rPr lang="en-US" dirty="0">
+              <a:rPr lang="ru-RU" sz="2600" dirty="0" smtClean="0">
+                <a:solidFill>
+                  <a:schemeClr val="tx1"/>
+                </a:solidFill>
+              </a:rPr>
+              <a:t>: язык </a:t>
+            </a:r>
+            <a:r>
+              <a:rPr lang="ru-RU" sz="2600" dirty="0">
+                <a:solidFill>
+                  <a:schemeClr val="tx1"/>
+                </a:solidFill>
+              </a:rPr>
+              <a:t>программирования </a:t>
+            </a:r>
+            <a:r>
+              <a:rPr lang="en-US" sz="2600" dirty="0">
                 <a:solidFill>
                   <a:schemeClr val="tx1"/>
                 </a:solidFill>
@@ -3953,7 +4061,7 @@
               <a:t>Python</a:t>
             </a:r>
             <a:r>
-              <a:rPr lang="ru-RU" dirty="0">
+              <a:rPr lang="ru-RU" sz="2600" dirty="0">
                 <a:solidFill>
                   <a:schemeClr val="tx1"/>
                 </a:solidFill>
@@ -3961,7 +4069,7 @@
               <a:t>, </a:t>
             </a:r>
             <a:r>
-              <a:rPr lang="en-US" dirty="0">
+              <a:rPr lang="en-US" sz="2600" dirty="0">
                 <a:solidFill>
                   <a:schemeClr val="tx1"/>
                 </a:solidFill>
@@ -3969,7 +4077,7 @@
               <a:t>API </a:t>
             </a:r>
             <a:r>
-              <a:rPr lang="en-US" dirty="0" smtClean="0">
+              <a:rPr lang="en-US" sz="2600" dirty="0" smtClean="0">
                 <a:solidFill>
                   <a:schemeClr val="tx1"/>
                 </a:solidFill>
@@ -3977,7 +4085,7 @@
               <a:t>V</a:t>
             </a:r>
             <a:r>
-              <a:rPr lang="en-US" dirty="0">
+              <a:rPr lang="en-US" sz="2600" dirty="0">
                 <a:solidFill>
                   <a:schemeClr val="tx1"/>
                 </a:solidFill>
@@ -3985,7 +4093,7 @@
               <a:t>K</a:t>
             </a:r>
             <a:r>
-              <a:rPr lang="ru-RU" dirty="0" smtClean="0">
+              <a:rPr lang="ru-RU" sz="2600" dirty="0" smtClean="0">
                 <a:solidFill>
                   <a:schemeClr val="tx1"/>
                 </a:solidFill>
@@ -3993,7 +4101,7 @@
               <a:t> </a:t>
             </a:r>
             <a:r>
-              <a:rPr lang="ru-RU" dirty="0">
+              <a:rPr lang="ru-RU" sz="2600" dirty="0">
                 <a:solidFill>
                   <a:schemeClr val="tx1"/>
                 </a:solidFill>
@@ -4009,38 +4117,38 @@
               <a:buNone/>
             </a:pPr>
             <a:r>
-              <a:rPr lang="ru-RU" dirty="0">
+              <a:rPr lang="ru-RU" sz="2600" dirty="0">
                 <a:solidFill>
                   <a:schemeClr val="tx1"/>
                 </a:solidFill>
               </a:rPr>
               <a:t> </a:t>
             </a:r>
-          </a:p>
-          <a:p>
-            <a:pPr marL="0" indent="0">
-              <a:lnSpc>
-                <a:spcPct val="120000"/>
-              </a:lnSpc>
-              <a:buNone/>
-            </a:pPr>
-            <a:r>
-              <a:rPr lang="ru-RU" b="1" dirty="0">
-                <a:solidFill>
-                  <a:schemeClr val="tx1"/>
-                </a:solidFill>
-              </a:rPr>
-              <a:t>Актуальность работы</a:t>
-            </a:r>
-            <a:r>
-              <a:rPr lang="ru-RU" dirty="0">
+            <a:r>
+              <a:rPr lang="ru-RU" sz="2600" b="1" dirty="0" smtClean="0">
+                <a:solidFill>
+                  <a:schemeClr val="tx1"/>
+                </a:solidFill>
+              </a:rPr>
+              <a:t>Актуальность </a:t>
+            </a:r>
+            <a:r>
+              <a:rPr lang="ru-RU" sz="2600" b="1" dirty="0">
+                <a:solidFill>
+                  <a:schemeClr val="tx1"/>
+                </a:solidFill>
+              </a:rPr>
+              <a:t>работы</a:t>
+            </a:r>
+            <a:r>
+              <a:rPr lang="ru-RU" sz="2600" dirty="0">
                 <a:solidFill>
                   <a:schemeClr val="tx1"/>
                 </a:solidFill>
               </a:rPr>
               <a:t>: созданный чат-бот можно использовать для развлечений и  отслеживания телепередач в социальной сети с различных электронных устройств. </a:t>
             </a:r>
-            <a:endParaRPr lang="ru-RU" sz="2400" dirty="0">
+            <a:endParaRPr lang="ru-RU" sz="2600" dirty="0">
               <a:solidFill>
                 <a:schemeClr val="tx1"/>
               </a:solidFill>
@@ -4303,7 +4411,12 @@
             <p:ph type="title"/>
           </p:nvPr>
         </p:nvSpPr>
-        <p:spPr/>
+        <p:spPr>
+          <a:xfrm>
+            <a:off x="252919" y="1123837"/>
+            <a:ext cx="2664848" cy="4601183"/>
+          </a:xfrm>
+        </p:spPr>
         <p:txBody>
           <a:bodyPr>
             <a:normAutofit/>
@@ -4329,8 +4442,8 @@
         </p:nvSpPr>
         <p:spPr>
           <a:xfrm>
-            <a:off x="3597982" y="1123837"/>
-            <a:ext cx="5354826" cy="4902890"/>
+            <a:off x="3597981" y="1123837"/>
+            <a:ext cx="5454579" cy="4902890"/>
           </a:xfrm>
         </p:spPr>
         <p:txBody>
@@ -4346,42 +4459,58 @@
               <a:buNone/>
             </a:pPr>
             <a:r>
+              <a:rPr lang="ru-RU" b="1" dirty="0" smtClean="0">
+                <a:solidFill>
+                  <a:schemeClr val="tx1"/>
+                </a:solidFill>
+              </a:rPr>
+              <a:t>Искусственный интеллект </a:t>
+            </a:r>
+            <a:r>
               <a:rPr lang="ru-RU" dirty="0">
                 <a:solidFill>
                   <a:schemeClr val="tx1"/>
                 </a:solidFill>
               </a:rPr>
-              <a:t>Искусственным интеллектом (ИИ) — способность интеллектуальных машин выполнять творческие функции, которые традиционно считаются прерогативой человека. Также этим термином обозначают науку и технологию создания интеллектуальных машин. Впервые это определение было дано американским </a:t>
-            </a:r>
-            <a:r>
-              <a:rPr lang="ru-RU" dirty="0" err="1">
-                <a:solidFill>
-                  <a:schemeClr val="tx1"/>
-                </a:solidFill>
-              </a:rPr>
-              <a:t>информатиком</a:t>
-            </a:r>
-            <a:r>
-              <a:rPr lang="ru-RU" dirty="0">
-                <a:solidFill>
-                  <a:schemeClr val="tx1"/>
-                </a:solidFill>
-              </a:rPr>
-              <a:t> Джоном Маккарти в 1956 году</a:t>
-            </a:r>
-            <a:r>
-              <a:rPr lang="ru-RU" dirty="0" smtClean="0">
-                <a:solidFill>
-                  <a:schemeClr val="tx1"/>
-                </a:solidFill>
-              </a:rPr>
-              <a:t>.</a:t>
-            </a:r>
-            <a:endParaRPr lang="ru-RU" dirty="0">
+              <a:t>(ИИ) — способность интеллектуальных машин выполнять творческие функции, которые традиционно считаются прерогативой человека. </a:t>
+            </a:r>
+            <a:endParaRPr lang="ru-RU" dirty="0" smtClean="0">
               <a:solidFill>
                 <a:schemeClr val="tx1"/>
               </a:solidFill>
             </a:endParaRPr>
+          </a:p>
+          <a:p>
+            <a:pPr marL="0" indent="0">
+              <a:lnSpc>
+                <a:spcPct val="150000"/>
+              </a:lnSpc>
+              <a:buNone/>
+            </a:pPr>
+            <a:r>
+              <a:rPr lang="ru-RU" b="1" dirty="0" smtClean="0">
+                <a:solidFill>
+                  <a:schemeClr val="tx1"/>
+                </a:solidFill>
+              </a:rPr>
+              <a:t>Искусственный интеллект </a:t>
+            </a:r>
+            <a:r>
+              <a:rPr lang="ru-RU" dirty="0" smtClean="0">
+                <a:solidFill>
+                  <a:schemeClr val="tx1"/>
+                </a:solidFill>
+              </a:rPr>
+              <a:t>- это наука и технология </a:t>
+            </a:r>
+            <a:r>
+              <a:rPr lang="ru-RU" dirty="0">
+                <a:solidFill>
+                  <a:schemeClr val="tx1"/>
+                </a:solidFill>
+              </a:rPr>
+              <a:t>создания интеллектуальных машин. </a:t>
+            </a:r>
           </a:p>
         </p:txBody>
       </p:sp>
@@ -4407,14 +4536,43 @@
           </a:stretch>
         </p:blipFill>
         <p:spPr bwMode="auto">
-          <a:xfrm>
-            <a:off x="9350389" y="2264351"/>
-            <a:ext cx="1872195" cy="2635115"/>
+          <a:xfrm flipH="1">
+            <a:off x="8969432" y="1369851"/>
+            <a:ext cx="2718664" cy="3826520"/>
           </a:xfrm>
           <a:prstGeom prst="rect">
             <a:avLst/>
           </a:prstGeom>
-          <a:noFill/>
+          <a:solidFill>
+            <a:srgbClr val="FFFFFF">
+              <a:shade val="85000"/>
+            </a:srgbClr>
+          </a:solidFill>
+          <a:ln w="88900" cap="sq">
+            <a:solidFill>
+              <a:srgbClr val="FFFFFF"/>
+            </a:solidFill>
+            <a:miter lim="800000"/>
+          </a:ln>
+          <a:effectLst>
+            <a:outerShdw blurRad="55000" dist="18000" dir="5400000" algn="tl" rotWithShape="0">
+              <a:srgbClr val="000000">
+                <a:alpha val="40000"/>
+              </a:srgbClr>
+            </a:outerShdw>
+          </a:effectLst>
+          <a:scene3d>
+            <a:camera prst="orthographicFront"/>
+            <a:lightRig rig="twoPt" dir="t">
+              <a:rot lat="0" lon="0" rev="7200000"/>
+            </a:lightRig>
+          </a:scene3d>
+          <a:sp3d>
+            <a:bevelT w="25400" h="19050"/>
+            <a:contourClr>
+              <a:srgbClr val="FFFFFF"/>
+            </a:contourClr>
+          </a:sp3d>
           <a:extLst>
             <a:ext uri="{909E8E84-426E-40DD-AFC4-6F175D3DCCD1}">
               <a14:hiddenFill xmlns:a14="http://schemas.microsoft.com/office/drawing/2010/main">
@@ -4426,6 +4584,37 @@
           </a:extLst>
         </p:spPr>
       </p:pic>
+      <p:sp>
+        <p:nvSpPr>
+          <p:cNvPr id="4" name="Прямоугольник 3"/>
+          <p:cNvSpPr/>
+          <p:nvPr/>
+        </p:nvSpPr>
+        <p:spPr>
+          <a:xfrm>
+            <a:off x="9332792" y="5257719"/>
+            <a:ext cx="1843582" cy="646331"/>
+          </a:xfrm>
+          <a:prstGeom prst="rect">
+            <a:avLst/>
+          </a:prstGeom>
+        </p:spPr>
+        <p:txBody>
+          <a:bodyPr wrap="none">
+            <a:spAutoFit/>
+          </a:bodyPr>
+          <a:lstStyle/>
+          <a:p>
+            <a:r>
+              <a:rPr lang="ru-RU" b="1" dirty="0" smtClean="0"/>
+              <a:t>Джон Маккарти</a:t>
+            </a:r>
+          </a:p>
+          <a:p>
+            <a:endParaRPr lang="ru-RU" dirty="0"/>
+          </a:p>
+        </p:txBody>
+      </p:sp>
     </p:spTree>
     <p:extLst>
       <p:ext uri="{BB962C8B-B14F-4D97-AF65-F5344CB8AC3E}">
@@ -4643,7 +4832,22 @@
           <a:p>
             <a:r>
               <a:rPr lang="ru-RU" b="1" dirty="0"/>
-              <a:t>Для чего нужен чат-бот?</a:t>
+              <a:t>Для чего </a:t>
+            </a:r>
+            <a:r>
+              <a:rPr lang="ru-RU" b="1" dirty="0" smtClean="0"/>
+              <a:t>нужен</a:t>
+            </a:r>
+            <a:br>
+              <a:rPr lang="ru-RU" b="1" dirty="0" smtClean="0"/>
+            </a:br>
+            <a:r>
+              <a:rPr lang="ru-RU" b="1" dirty="0" smtClean="0"/>
+              <a:t>чат-бот</a:t>
+            </a:r>
+            <a:r>
+              <a:rPr lang="ru-RU" b="1" dirty="0"/>
+              <a:t>?</a:t>
             </a:r>
             <a:r>
               <a:rPr lang="ru-RU" dirty="0"/>
@@ -4678,22 +4882,22 @@
               <a:buNone/>
             </a:pPr>
             <a:r>
-              <a:rPr lang="ru-RU" sz="2400" dirty="0">
-                <a:solidFill>
-                  <a:schemeClr val="tx1"/>
-                </a:solidFill>
-              </a:rPr>
-              <a:t>Бот будет полезен, если Вы хотите</a:t>
-            </a:r>
-            <a:r>
-              <a:rPr lang="ru-RU" sz="2400" dirty="0" smtClean="0">
-                <a:solidFill>
-                  <a:schemeClr val="tx1"/>
-                </a:solidFill>
-              </a:rPr>
-              <a:t>:</a:t>
-            </a:r>
-            <a:endParaRPr lang="ru-RU" sz="2400" dirty="0">
+              <a:rPr lang="ru-RU" sz="2400" b="1" dirty="0">
+                <a:solidFill>
+                  <a:schemeClr val="tx1"/>
+                </a:solidFill>
+              </a:rPr>
+              <a:t>Бот будет полезен, если </a:t>
+            </a:r>
+            <a:r>
+              <a:rPr lang="ru-RU" sz="2400" b="1" dirty="0" smtClean="0">
+                <a:solidFill>
+                  <a:schemeClr val="tx1"/>
+                </a:solidFill>
+              </a:rPr>
+              <a:t>необходимо:</a:t>
+            </a:r>
+            <a:endParaRPr lang="ru-RU" sz="2400" b="1" dirty="0">
               <a:solidFill>
                 <a:schemeClr val="tx1"/>
               </a:solidFill>
@@ -4839,73 +5043,80 @@
         </p:nvSpPr>
         <p:spPr>
           <a:xfrm>
-            <a:off x="3869268" y="864108"/>
-            <a:ext cx="5640492" cy="3466823"/>
+            <a:off x="3993959" y="897775"/>
+            <a:ext cx="6247321" cy="2385753"/>
           </a:xfrm>
         </p:spPr>
         <p:txBody>
-          <a:bodyPr/>
+          <a:bodyPr>
+            <a:noAutofit/>
+          </a:bodyPr>
           <a:lstStyle/>
           <a:p>
             <a:pPr marL="0" indent="0">
               <a:lnSpc>
-                <a:spcPct val="150000"/>
+                <a:spcPct val="100000"/>
               </a:lnSpc>
+              <a:spcBef>
+                <a:spcPts val="0"/>
+              </a:spcBef>
               <a:buNone/>
             </a:pPr>
             <a:r>
-              <a:rPr lang="ru-RU" sz="2400" b="1" dirty="0"/>
-              <a:t>Язык программирования </a:t>
-            </a:r>
-            <a:r>
-              <a:rPr lang="en-US" sz="2400" b="1" dirty="0" smtClean="0"/>
+              <a:rPr lang="ru-RU" sz="2800" b="1" dirty="0" smtClean="0">
+                <a:solidFill>
+                  <a:schemeClr val="tx1"/>
+                </a:solidFill>
+              </a:rPr>
+              <a:t>Язык </a:t>
+            </a:r>
+            <a:r>
+              <a:rPr lang="ru-RU" sz="2800" b="1" dirty="0">
+                <a:solidFill>
+                  <a:schemeClr val="tx1"/>
+                </a:solidFill>
+              </a:rPr>
+              <a:t>программирования </a:t>
+            </a:r>
+            <a:r>
+              <a:rPr lang="en-US" sz="2800" b="1" dirty="0">
+                <a:solidFill>
+                  <a:schemeClr val="tx1"/>
+                </a:solidFill>
+              </a:rPr>
               <a:t>Python</a:t>
             </a:r>
-            <a:endParaRPr lang="ru-RU" sz="2400" b="1" dirty="0" smtClean="0"/>
-          </a:p>
-          <a:p>
-            <a:pPr marL="0" indent="0">
-              <a:lnSpc>
-                <a:spcPct val="150000"/>
-              </a:lnSpc>
-              <a:buNone/>
-            </a:pPr>
-            <a:r>
-              <a:rPr lang="ru-RU" dirty="0">
-                <a:solidFill>
-                  <a:schemeClr val="tx1"/>
-                </a:solidFill>
-              </a:rPr>
-              <a:t>Язык программирования </a:t>
-            </a:r>
-            <a:r>
-              <a:rPr lang="en-US" dirty="0">
-                <a:solidFill>
-                  <a:schemeClr val="tx1"/>
-                </a:solidFill>
-              </a:rPr>
-              <a:t>Python</a:t>
-            </a:r>
-            <a:r>
-              <a:rPr lang="ru-RU" dirty="0">
-                <a:solidFill>
-                  <a:schemeClr val="tx1"/>
-                </a:solidFill>
-              </a:rPr>
-              <a:t> 3 — это современный и мощный инструмент для создания программ самого разнообразного назначения. С его помощью можно решать задачи различных типов.</a:t>
-            </a:r>
-          </a:p>
-          <a:p>
-            <a:pPr marL="0" indent="0">
-              <a:buNone/>
-            </a:pPr>
-            <a:endParaRPr lang="ru-RU" dirty="0"/>
+            <a:r>
+              <a:rPr lang="ru-RU" sz="2800" b="1" dirty="0">
+                <a:solidFill>
+                  <a:schemeClr val="tx1"/>
+                </a:solidFill>
+              </a:rPr>
+              <a:t> </a:t>
+            </a:r>
+            <a:r>
+              <a:rPr lang="ru-RU" sz="2800" b="1" dirty="0" smtClean="0">
+                <a:solidFill>
+                  <a:schemeClr val="tx1"/>
+                </a:solidFill>
+              </a:rPr>
+              <a:t> </a:t>
+            </a:r>
+            <a:r>
+              <a:rPr lang="ru-RU" sz="2800" dirty="0">
+                <a:solidFill>
+                  <a:schemeClr val="tx1"/>
+                </a:solidFill>
+              </a:rPr>
+              <a:t>— это современный и мощный инструмент для создания программ самого разнообразного назначения. </a:t>
+            </a:r>
+            <a:endParaRPr lang="ru-RU" sz="2800" dirty="0"/>
           </a:p>
         </p:txBody>
       </p:sp>
       <p:pic>
         <p:nvPicPr>
-          <p:cNvPr id="4100" name="Picture 4" descr="ÐÐ°ÑÑÐ¸Ð½ÐºÐ¸ Ð¿Ð¾ Ð·Ð°Ð¿ÑÐ¾ÑÑ python"/>
+          <p:cNvPr id="4102" name="Picture 6" descr="ÐÐ°ÑÑÐ¸Ð½ÐºÐ¸ Ð¿Ð¾ Ð·Ð°Ð¿ÑÐ¾ÑÑ Ð¯Ð·ÑÐº Ð¿ÑÐ¾Ð³ÑÐ°Ð¼Ð¼Ð¸ÑÐ¾Ð²Ð°Ð½Ð¸Ñ Python"/>
           <p:cNvPicPr>
             <a:picLocks noChangeAspect="1" noChangeArrowheads="1"/>
           </p:cNvPicPr>
@@ -4926,8 +5137,8 @@
         </p:blipFill>
         <p:spPr bwMode="auto">
           <a:xfrm>
-            <a:off x="9226127" y="1444614"/>
-            <a:ext cx="1905000" cy="1905000"/>
+            <a:off x="5205716" y="3283528"/>
+            <a:ext cx="4004786" cy="2703230"/>
           </a:xfrm>
           <a:prstGeom prst="rect">
             <a:avLst/>
@@ -4944,47 +5155,6 @@
           </a:extLst>
         </p:spPr>
       </p:pic>
-      <p:sp>
-        <p:nvSpPr>
-          <p:cNvPr id="4" name="TextBox 3"/>
-          <p:cNvSpPr txBox="1"/>
-          <p:nvPr/>
-        </p:nvSpPr>
-        <p:spPr>
-          <a:xfrm>
-            <a:off x="3869268" y="4096734"/>
-            <a:ext cx="7519168" cy="1292662"/>
-          </a:xfrm>
-          <a:prstGeom prst="rect">
-            <a:avLst/>
-          </a:prstGeom>
-          <a:noFill/>
-        </p:spPr>
-        <p:txBody>
-          <a:bodyPr wrap="square" rtlCol="0">
-            <a:spAutoFit/>
-          </a:bodyPr>
-          <a:lstStyle/>
-          <a:p>
-            <a:pPr>
-              <a:lnSpc>
-                <a:spcPct val="150000"/>
-              </a:lnSpc>
-            </a:pPr>
-            <a:r>
-              <a:rPr lang="en-US" sz="2000" dirty="0"/>
-              <a:t>Python</a:t>
-            </a:r>
-            <a:r>
-              <a:rPr lang="ru-RU" sz="2000" dirty="0"/>
-              <a:t> обладает огромный функционалом для выполнения различных целей в том числе и создания чат-ботов.  </a:t>
-            </a:r>
-          </a:p>
-          <a:p>
-            <a:endParaRPr lang="ru-RU" dirty="0"/>
-          </a:p>
-        </p:txBody>
-      </p:sp>
     </p:spTree>
     <p:extLst>
       <p:ext uri="{BB962C8B-B14F-4D97-AF65-F5344CB8AC3E}">
@@ -5057,8 +5227,8 @@
         </p:nvSpPr>
         <p:spPr>
           <a:xfrm>
-            <a:off x="3869268" y="1123837"/>
-            <a:ext cx="5460999" cy="3007896"/>
+            <a:off x="3869268" y="816765"/>
+            <a:ext cx="5460999" cy="2874585"/>
           </a:xfrm>
         </p:spPr>
         <p:txBody>
@@ -5069,124 +5239,30 @@
           <a:p>
             <a:pPr marL="0" indent="0">
               <a:lnSpc>
-                <a:spcPct val="150000"/>
+                <a:spcPct val="120000"/>
               </a:lnSpc>
+              <a:spcBef>
+                <a:spcPts val="600"/>
+              </a:spcBef>
               <a:buNone/>
             </a:pPr>
             <a:r>
-              <a:rPr lang="ru-RU" b="1" dirty="0"/>
+              <a:rPr lang="ru-RU" sz="2400" b="1" dirty="0">
+                <a:solidFill>
+                  <a:schemeClr val="tx1"/>
+                </a:solidFill>
+              </a:rPr>
               <a:t>База готовых команд </a:t>
             </a:r>
             <a:r>
-              <a:rPr lang="en-US" b="1" dirty="0" smtClean="0"/>
+              <a:rPr lang="en-US" sz="2400" b="1" dirty="0" smtClean="0">
+                <a:solidFill>
+                  <a:schemeClr val="tx1"/>
+                </a:solidFill>
+              </a:rPr>
               <a:t>API</a:t>
             </a:r>
-            <a:endParaRPr lang="ru-RU" b="1" dirty="0" smtClean="0"/>
-          </a:p>
-          <a:p>
-            <a:pPr marL="0" indent="0">
-              <a:lnSpc>
-                <a:spcPct val="150000"/>
-              </a:lnSpc>
-              <a:buNone/>
-            </a:pPr>
-            <a:r>
-              <a:rPr lang="en-US" dirty="0" smtClean="0">
-                <a:solidFill>
-                  <a:schemeClr val="tx1"/>
-                </a:solidFill>
-              </a:rPr>
-              <a:t>Application</a:t>
-            </a:r>
-            <a:r>
-              <a:rPr lang="ru-RU" dirty="0" smtClean="0">
-                <a:solidFill>
-                  <a:schemeClr val="tx1"/>
-                </a:solidFill>
-              </a:rPr>
-              <a:t> </a:t>
-            </a:r>
-            <a:r>
-              <a:rPr lang="en-US" dirty="0" smtClean="0">
-                <a:solidFill>
-                  <a:schemeClr val="tx1"/>
-                </a:solidFill>
-              </a:rPr>
-              <a:t>Programming</a:t>
-            </a:r>
-            <a:r>
-              <a:rPr lang="ru-RU" dirty="0" smtClean="0">
-                <a:solidFill>
-                  <a:schemeClr val="tx1"/>
-                </a:solidFill>
-              </a:rPr>
-              <a:t> </a:t>
-            </a:r>
-            <a:r>
-              <a:rPr lang="en-US" dirty="0" smtClean="0">
-                <a:solidFill>
-                  <a:schemeClr val="tx1"/>
-                </a:solidFill>
-              </a:rPr>
-              <a:t>Interface</a:t>
-            </a:r>
-            <a:r>
-              <a:rPr lang="ru-RU" b="1" dirty="0">
-                <a:solidFill>
-                  <a:schemeClr val="tx1"/>
-                </a:solidFill>
-              </a:rPr>
-              <a:t> </a:t>
-            </a:r>
-            <a:r>
-              <a:rPr lang="ru-RU" b="1" dirty="0" smtClean="0">
-                <a:solidFill>
-                  <a:schemeClr val="tx1"/>
-                </a:solidFill>
-              </a:rPr>
-              <a:t>- </a:t>
-            </a:r>
-            <a:r>
-              <a:rPr lang="ru-RU" dirty="0">
-                <a:solidFill>
-                  <a:schemeClr val="tx1"/>
-                </a:solidFill>
-              </a:rPr>
-              <a:t>и</a:t>
-            </a:r>
-            <a:r>
-              <a:rPr lang="ru-RU" dirty="0" smtClean="0">
-                <a:solidFill>
-                  <a:schemeClr val="tx1"/>
-                </a:solidFill>
-              </a:rPr>
-              <a:t>нтерфейс</a:t>
-            </a:r>
-            <a:r>
-              <a:rPr lang="ru-RU" dirty="0">
-                <a:solidFill>
-                  <a:schemeClr val="tx1"/>
-                </a:solidFill>
-              </a:rPr>
-              <a:t>, который </a:t>
-            </a:r>
-            <a:r>
-              <a:rPr lang="ru-RU" dirty="0" smtClean="0">
-                <a:solidFill>
-                  <a:schemeClr val="tx1"/>
-                </a:solidFill>
-              </a:rPr>
-              <a:t>позволяет разработчикам использовать готовые блоки для построения приложения.</a:t>
-            </a:r>
-            <a:r>
-              <a:rPr lang="en-US" b="1" dirty="0" smtClean="0">
-                <a:solidFill>
-                  <a:schemeClr val="tx1"/>
-                </a:solidFill>
-              </a:rPr>
-              <a:t> </a:t>
-            </a:r>
-            <a:endParaRPr lang="ru-RU" b="1" dirty="0" smtClean="0">
+            <a:endParaRPr lang="ru-RU" sz="2400" b="1" dirty="0" smtClean="0">
               <a:solidFill>
                 <a:schemeClr val="tx1"/>
               </a:solidFill>
@@ -5194,11 +5270,102 @@
           </a:p>
           <a:p>
             <a:pPr marL="0" indent="0">
+              <a:lnSpc>
+                <a:spcPct val="120000"/>
+              </a:lnSpc>
+              <a:spcBef>
+                <a:spcPts val="600"/>
+              </a:spcBef>
               <a:buNone/>
             </a:pPr>
-            <a:endParaRPr lang="ru-RU" b="1" dirty="0" smtClean="0"/>
-          </a:p>
-          <a:p>
+            <a:r>
+              <a:rPr lang="en-US" sz="2400" dirty="0" smtClean="0">
+                <a:solidFill>
+                  <a:schemeClr val="tx1"/>
+                </a:solidFill>
+              </a:rPr>
+              <a:t>Application</a:t>
+            </a:r>
+            <a:r>
+              <a:rPr lang="ru-RU" sz="2400" dirty="0" smtClean="0">
+                <a:solidFill>
+                  <a:schemeClr val="tx1"/>
+                </a:solidFill>
+              </a:rPr>
+              <a:t> </a:t>
+            </a:r>
+            <a:r>
+              <a:rPr lang="en-US" sz="2400" dirty="0" smtClean="0">
+                <a:solidFill>
+                  <a:schemeClr val="tx1"/>
+                </a:solidFill>
+              </a:rPr>
+              <a:t>Programming</a:t>
+            </a:r>
+            <a:r>
+              <a:rPr lang="ru-RU" sz="2400" dirty="0" smtClean="0">
+                <a:solidFill>
+                  <a:schemeClr val="tx1"/>
+                </a:solidFill>
+              </a:rPr>
+              <a:t> </a:t>
+            </a:r>
+            <a:r>
+              <a:rPr lang="en-US" sz="2400" dirty="0" smtClean="0">
+                <a:solidFill>
+                  <a:schemeClr val="tx1"/>
+                </a:solidFill>
+              </a:rPr>
+              <a:t>Interface</a:t>
+            </a:r>
+            <a:r>
+              <a:rPr lang="ru-RU" sz="2400" b="1" dirty="0">
+                <a:solidFill>
+                  <a:schemeClr val="tx1"/>
+                </a:solidFill>
+              </a:rPr>
+              <a:t> </a:t>
+            </a:r>
+            <a:r>
+              <a:rPr lang="ru-RU" sz="2400" b="1" dirty="0" smtClean="0">
+                <a:solidFill>
+                  <a:schemeClr val="tx1"/>
+                </a:solidFill>
+              </a:rPr>
+              <a:t>- </a:t>
+            </a:r>
+            <a:r>
+              <a:rPr lang="ru-RU" sz="2400" dirty="0">
+                <a:solidFill>
+                  <a:schemeClr val="tx1"/>
+                </a:solidFill>
+              </a:rPr>
+              <a:t>и</a:t>
+            </a:r>
+            <a:r>
+              <a:rPr lang="ru-RU" sz="2400" dirty="0" smtClean="0">
+                <a:solidFill>
+                  <a:schemeClr val="tx1"/>
+                </a:solidFill>
+              </a:rPr>
+              <a:t>нтерфейс</a:t>
+            </a:r>
+            <a:r>
+              <a:rPr lang="ru-RU" sz="2400" dirty="0">
+                <a:solidFill>
+                  <a:schemeClr val="tx1"/>
+                </a:solidFill>
+              </a:rPr>
+              <a:t>, который </a:t>
+            </a:r>
+            <a:r>
+              <a:rPr lang="ru-RU" sz="2400" dirty="0" smtClean="0">
+                <a:solidFill>
+                  <a:schemeClr val="tx1"/>
+                </a:solidFill>
+              </a:rPr>
+              <a:t>позволяет разработчикам использовать готовые блоки для построения приложения.</a:t>
+            </a:r>
             <a:endParaRPr lang="ru-RU" dirty="0"/>
           </a:p>
         </p:txBody>
@@ -5252,8 +5419,8 @@
         </p:nvSpPr>
         <p:spPr>
           <a:xfrm>
-            <a:off x="3869268" y="3566232"/>
-            <a:ext cx="7713132" cy="1754326"/>
+            <a:off x="3869268" y="4131733"/>
+            <a:ext cx="7713132" cy="1938992"/>
           </a:xfrm>
           <a:prstGeom prst="rect">
             <a:avLst/>
@@ -5266,30 +5433,25 @@
           </a:bodyPr>
           <a:lstStyle/>
           <a:p>
-            <a:pPr>
-              <a:lnSpc>
-                <a:spcPct val="150000"/>
-              </a:lnSpc>
-            </a:pPr>
-            <a:r>
-              <a:rPr lang="en-US" sz="2000" b="1" dirty="0"/>
+            <a:r>
+              <a:rPr lang="en-US" sz="2400" b="1" dirty="0"/>
               <a:t>VK API - </a:t>
             </a:r>
             <a:r>
-              <a:rPr lang="ru-RU" sz="2000" dirty="0"/>
+              <a:rPr lang="ru-RU" sz="2400" dirty="0"/>
               <a:t>это интерфейс предоставляемый ВКонтакте, который позволяет получать информацию из базы данных vk.com с помощью </a:t>
             </a:r>
             <a:r>
-              <a:rPr lang="ru-RU" sz="2000" dirty="0" err="1"/>
+              <a:rPr lang="ru-RU" sz="2400" dirty="0" err="1"/>
               <a:t>http</a:t>
             </a:r>
             <a:r>
-              <a:rPr lang="ru-RU" sz="2000" dirty="0"/>
+              <a:rPr lang="ru-RU" sz="2400" dirty="0"/>
               <a:t>-запросов к специальному серверу.</a:t>
             </a:r>
           </a:p>
           <a:p>
-            <a:endParaRPr lang="ru-RU" dirty="0"/>
+            <a:endParaRPr lang="ru-RU" sz="2400" dirty="0"/>
           </a:p>
         </p:txBody>
       </p:sp>
@@ -5365,12 +5527,14 @@
         </p:nvSpPr>
         <p:spPr>
           <a:xfrm>
-            <a:off x="3615268" y="864108"/>
-            <a:ext cx="7569200" cy="2303041"/>
+            <a:off x="4130657" y="1022050"/>
+            <a:ext cx="5453918" cy="731935"/>
           </a:xfrm>
         </p:spPr>
         <p:txBody>
-          <a:bodyPr/>
+          <a:bodyPr>
+            <a:normAutofit fontScale="92500" lnSpcReduction="10000"/>
+          </a:bodyPr>
           <a:lstStyle/>
           <a:p>
             <a:pPr marL="0" indent="0">
@@ -5380,7 +5544,7 @@
               <a:buNone/>
             </a:pPr>
             <a:r>
-              <a:rPr lang="ru-RU" dirty="0">
+              <a:rPr lang="ru-RU" sz="3200" b="1" dirty="0">
                 <a:solidFill>
                   <a:schemeClr val="tx1"/>
                 </a:solidFill>
@@ -5389,45 +5553,130 @@
             </a:r>
           </a:p>
           <a:p>
-            <a:pPr marL="0" indent="0">
+            <a:endParaRPr lang="ru-RU" b="1" dirty="0"/>
+          </a:p>
+        </p:txBody>
+      </p:sp>
+      <p:sp>
+        <p:nvSpPr>
+          <p:cNvPr id="6" name="Rectangle 5"/>
+          <p:cNvSpPr>
+            <a:spLocks noChangeArrowheads="1"/>
+          </p:cNvSpPr>
+          <p:nvPr/>
+        </p:nvSpPr>
+        <p:spPr bwMode="auto">
+          <a:xfrm>
+            <a:off x="152400" y="609600"/>
+            <a:ext cx="12192000" cy="0"/>
+          </a:xfrm>
+          <a:prstGeom prst="rect">
+            <a:avLst/>
+          </a:prstGeom>
+          <a:noFill/>
+          <a:ln>
+            <a:noFill/>
+          </a:ln>
+          <a:effectLst/>
+          <a:extLst>
+            <a:ext uri="{909E8E84-426E-40DD-AFC4-6F175D3DCCD1}">
+              <a14:hiddenFill xmlns:a14="http://schemas.microsoft.com/office/drawing/2010/main">
+                <a:solidFill>
+                  <a:schemeClr val="accent1"/>
+                </a:solidFill>
+              </a14:hiddenFill>
+            </a:ext>
+            <a:ext uri="{91240B29-F687-4F45-9708-019B960494DF}">
+              <a14:hiddenLine xmlns:a14="http://schemas.microsoft.com/office/drawing/2010/main" w="9525">
+                <a:solidFill>
+                  <a:schemeClr val="tx1"/>
+                </a:solidFill>
+                <a:miter lim="800000"/>
+                <a:headEnd/>
+                <a:tailEnd/>
+              </a14:hiddenLine>
+            </a:ext>
+            <a:ext uri="{AF507438-7753-43E0-B8FC-AC1667EBCBE1}">
+              <a14:hiddenEffects xmlns:a14="http://schemas.microsoft.com/office/drawing/2010/main">
+                <a:effectLst>
+                  <a:outerShdw dist="35921" dir="2700000" algn="ctr" rotWithShape="0">
+                    <a:schemeClr val="bg2"/>
+                  </a:outerShdw>
+                </a:effectLst>
+              </a14:hiddenEffects>
+            </a:ext>
+          </a:extLst>
+        </p:spPr>
+        <p:txBody>
+          <a:bodyPr vert="horz" wrap="none" lIns="91440" tIns="45720" rIns="91440" bIns="45720" numCol="1" anchor="ctr" anchorCtr="0" compatLnSpc="1">
+            <a:prstTxWarp prst="textNoShape">
+              <a:avLst/>
+            </a:prstTxWarp>
+            <a:spAutoFit/>
+          </a:bodyPr>
+          <a:lstStyle/>
+          <a:p>
+            <a:pPr marL="0" marR="0" lvl="0" indent="0" algn="l" defTabSz="914400" rtl="0" eaLnBrk="0" fontAlgn="base" latinLnBrk="0" hangingPunct="0">
               <a:lnSpc>
-                <a:spcPct val="150000"/>
+                <a:spcPct val="100000"/>
               </a:lnSpc>
-              <a:buNone/>
+              <a:spcBef>
+                <a:spcPct val="0"/>
+              </a:spcBef>
+              <a:spcAft>
+                <a:spcPct val="0"/>
+              </a:spcAft>
+              <a:buClrTx/>
+              <a:buSzTx/>
+              <a:buFontTx/>
+              <a:buNone/>
+              <a:tabLst/>
             </a:pPr>
             <a:r>
-              <a:rPr lang="ru-RU" dirty="0">
-                <a:solidFill>
-                  <a:schemeClr val="tx1"/>
-                </a:solidFill>
-              </a:rPr>
-              <a:t>Для начала необходимо создать сообщество, в котором будет “жить”  наш чат-бот. В социальной сети </a:t>
-            </a:r>
-            <a:r>
-              <a:rPr lang="ru-RU" dirty="0" err="1">
-                <a:solidFill>
-                  <a:schemeClr val="tx1"/>
-                </a:solidFill>
-              </a:rPr>
-              <a:t>Вконтакте</a:t>
-            </a:r>
-            <a:r>
-              <a:rPr lang="ru-RU" dirty="0">
-                <a:solidFill>
-                  <a:schemeClr val="tx1"/>
-                </a:solidFill>
-              </a:rPr>
-              <a:t> кликаем по кнопке “создать сообщество”.</a:t>
-            </a:r>
-          </a:p>
-          <a:p>
-            <a:endParaRPr lang="ru-RU" dirty="0"/>
+              <a:rPr kumimoji="0" lang="ru-RU" altLang="ru-RU" sz="1400" b="0" i="0" u="none" strike="noStrike" cap="none" normalizeH="0" baseline="0" smtClean="0">
+                <a:ln>
+                  <a:noFill/>
+                </a:ln>
+                <a:solidFill>
+                  <a:schemeClr val="tx1"/>
+                </a:solidFill>
+                <a:effectLst/>
+                <a:latin typeface="Times New Roman" panose="02020603050405020304" pitchFamily="18" charset="0"/>
+                <a:ea typeface="Calibri" panose="020F0502020204030204" pitchFamily="34" charset="0"/>
+                <a:cs typeface="Times New Roman" panose="02020603050405020304" pitchFamily="18" charset="0"/>
+              </a:rPr>
+              <a:t/>
+            </a:r>
+            <a:br>
+              <a:rPr kumimoji="0" lang="ru-RU" altLang="ru-RU" sz="1400" b="0" i="0" u="none" strike="noStrike" cap="none" normalizeH="0" baseline="0" smtClean="0">
+                <a:ln>
+                  <a:noFill/>
+                </a:ln>
+                <a:solidFill>
+                  <a:schemeClr val="tx1"/>
+                </a:solidFill>
+                <a:effectLst/>
+                <a:latin typeface="Times New Roman" panose="02020603050405020304" pitchFamily="18" charset="0"/>
+                <a:ea typeface="Calibri" panose="020F0502020204030204" pitchFamily="34" charset="0"/>
+                <a:cs typeface="Times New Roman" panose="02020603050405020304" pitchFamily="18" charset="0"/>
+              </a:rPr>
+            </a:br>
+            <a:endParaRPr kumimoji="0" lang="ru-RU" altLang="ru-RU" sz="1800" b="0" i="0" u="none" strike="noStrike" cap="none" normalizeH="0" baseline="0" smtClean="0">
+              <a:ln>
+                <a:noFill/>
+              </a:ln>
+              <a:solidFill>
+                <a:schemeClr val="tx1"/>
+              </a:solidFill>
+              <a:effectLst/>
+              <a:latin typeface="Arial" panose="020B0604020202020204" pitchFamily="34" charset="0"/>
+            </a:endParaRPr>
           </a:p>
         </p:txBody>
       </p:sp>
       <p:pic>
         <p:nvPicPr>
-          <p:cNvPr id="6145" name="Picture 1" descr="8"/>
+          <p:cNvPr id="9" name="Рисунок 1"/>
           <p:cNvPicPr>
             <a:picLocks noChangeAspect="1" noChangeArrowheads="1"/>
           </p:cNvPicPr>
@@ -5448,141 +5697,32 @@
         </p:blipFill>
         <p:spPr bwMode="auto">
           <a:xfrm>
-            <a:off x="5269207" y="3060955"/>
-            <a:ext cx="4706065" cy="2735967"/>
-          </a:xfrm>
-          <a:prstGeom prst="rect">
-            <a:avLst/>
-          </a:prstGeom>
-          <a:noFill/>
-          <a:extLst>
-            <a:ext uri="{909E8E84-426E-40DD-AFC4-6F175D3DCCD1}">
-              <a14:hiddenFill xmlns:a14="http://schemas.microsoft.com/office/drawing/2010/main">
-                <a:solidFill>
-                  <a:srgbClr val="FFFFFF"/>
-                </a:solidFill>
-              </a14:hiddenFill>
-            </a:ext>
-          </a:extLst>
-        </p:spPr>
-      </p:pic>
-      <p:sp>
-        <p:nvSpPr>
-          <p:cNvPr id="6" name="Rectangle 5"/>
-          <p:cNvSpPr>
-            <a:spLocks noChangeArrowheads="1"/>
-          </p:cNvSpPr>
-          <p:nvPr/>
-        </p:nvSpPr>
-        <p:spPr bwMode="auto">
-          <a:xfrm>
-            <a:off x="152400" y="609600"/>
-            <a:ext cx="12192000" cy="0"/>
+            <a:off x="3894205" y="2166434"/>
+            <a:ext cx="7478152" cy="1669487"/>
           </a:xfrm>
           <a:prstGeom prst="rect">
             <a:avLst/>
           </a:prstGeom>
           <a:noFill/>
           <a:ln>
-            <a:noFill/>
+            <a:solidFill>
+              <a:schemeClr val="tx1">
+                <a:lumMod val="65000"/>
+                <a:lumOff val="35000"/>
+              </a:schemeClr>
+            </a:solidFill>
           </a:ln>
-          <a:effectLst/>
           <a:extLst>
             <a:ext uri="{909E8E84-426E-40DD-AFC4-6F175D3DCCD1}">
               <a14:hiddenFill xmlns:a14="http://schemas.microsoft.com/office/drawing/2010/main">
                 <a:solidFill>
-                  <a:schemeClr val="accent1"/>
+                  <a:srgbClr val="FFFFFF"/>
                 </a:solidFill>
               </a14:hiddenFill>
-            </a:ext>
-            <a:ext uri="{91240B29-F687-4F45-9708-019B960494DF}">
-              <a14:hiddenLine xmlns:a14="http://schemas.microsoft.com/office/drawing/2010/main" w="9525">
-                <a:solidFill>
-                  <a:schemeClr val="tx1"/>
-                </a:solidFill>
-                <a:miter lim="800000"/>
-                <a:headEnd/>
-                <a:tailEnd/>
-              </a14:hiddenLine>
-            </a:ext>
-            <a:ext uri="{AF507438-7753-43E0-B8FC-AC1667EBCBE1}">
-              <a14:hiddenEffects xmlns:a14="http://schemas.microsoft.com/office/drawing/2010/main">
-                <a:effectLst>
-                  <a:outerShdw dist="35921" dir="2700000" algn="ctr" rotWithShape="0">
-                    <a:schemeClr val="bg2"/>
-                  </a:outerShdw>
-                </a:effectLst>
-              </a14:hiddenEffects>
             </a:ext>
           </a:extLst>
         </p:spPr>
-        <p:txBody>
-          <a:bodyPr vert="horz" wrap="none" lIns="91440" tIns="45720" rIns="91440" bIns="45720" numCol="1" anchor="ctr" anchorCtr="0" compatLnSpc="1">
-            <a:prstTxWarp prst="textNoShape">
-              <a:avLst/>
-            </a:prstTxWarp>
-            <a:spAutoFit/>
-          </a:bodyPr>
-          <a:lstStyle/>
-          <a:p>
-            <a:pPr marL="0" marR="0" lvl="0" indent="0" algn="l" defTabSz="914400" rtl="0" eaLnBrk="0" fontAlgn="base" latinLnBrk="0" hangingPunct="0">
-              <a:lnSpc>
-                <a:spcPct val="100000"/>
-              </a:lnSpc>
-              <a:spcBef>
-                <a:spcPct val="0"/>
-              </a:spcBef>
-              <a:spcAft>
-                <a:spcPct val="0"/>
-              </a:spcAft>
-              <a:buClrTx/>
-              <a:buSzTx/>
-              <a:buFontTx/>
-              <a:buNone/>
-              <a:tabLst/>
-            </a:pPr>
-            <a:r>
-              <a:rPr kumimoji="0" lang="ru-RU" altLang="ru-RU" sz="1400" b="0" i="0" u="none" strike="noStrike" cap="none" normalizeH="0" baseline="0" smtClean="0">
-                <a:ln>
-                  <a:noFill/>
-                </a:ln>
-                <a:solidFill>
-                  <a:schemeClr val="tx1"/>
-                </a:solidFill>
-                <a:effectLst/>
-                <a:latin typeface="Times New Roman" panose="02020603050405020304" pitchFamily="18" charset="0"/>
-                <a:ea typeface="Calibri" panose="020F0502020204030204" pitchFamily="34" charset="0"/>
-                <a:cs typeface="Times New Roman" panose="02020603050405020304" pitchFamily="18" charset="0"/>
-              </a:rPr>
-              <a:t/>
-            </a:r>
-            <a:br>
-              <a:rPr kumimoji="0" lang="ru-RU" altLang="ru-RU" sz="1400" b="0" i="0" u="none" strike="noStrike" cap="none" normalizeH="0" baseline="0" smtClean="0">
-                <a:ln>
-                  <a:noFill/>
-                </a:ln>
-                <a:solidFill>
-                  <a:schemeClr val="tx1"/>
-                </a:solidFill>
-                <a:effectLst/>
-                <a:latin typeface="Times New Roman" panose="02020603050405020304" pitchFamily="18" charset="0"/>
-                <a:ea typeface="Calibri" panose="020F0502020204030204" pitchFamily="34" charset="0"/>
-                <a:cs typeface="Times New Roman" panose="02020603050405020304" pitchFamily="18" charset="0"/>
-              </a:rPr>
-            </a:br>
-            <a:endParaRPr kumimoji="0" lang="ru-RU" altLang="ru-RU" sz="1800" b="0" i="0" u="none" strike="noStrike" cap="none" normalizeH="0" baseline="0" smtClean="0">
-              <a:ln>
-                <a:noFill/>
-              </a:ln>
-              <a:solidFill>
-                <a:schemeClr val="tx1"/>
-              </a:solidFill>
-              <a:effectLst/>
-              <a:latin typeface="Arial" panose="020B0604020202020204" pitchFamily="34" charset="0"/>
-            </a:endParaRPr>
-          </a:p>
-        </p:txBody>
-      </p:sp>
+      </p:pic>
     </p:spTree>
     <p:extLst>
       <p:ext uri="{BB962C8B-B14F-4D97-AF65-F5344CB8AC3E}">
@@ -5593,6 +5733,13 @@
   <p:clrMapOvr>
     <a:masterClrMapping/>
   </p:clrMapOvr>
+  <p:timing>
+    <p:tnLst>
+      <p:par>
+        <p:cTn id="1" dur="indefinite" restart="never" nodeType="tmRoot"/>
+      </p:par>
+    </p:tnLst>
+  </p:timing>
 </p:sld>
 </file>
 

--- a/Создание бота, как искусственного интеллекта посредством языка.pptx
+++ b/Создание бота, как искусственного интеллекта посредством языка.pptx
@@ -7,8 +7,8 @@
   <p:sldIdLst>
     <p:sldId id="256" r:id="rId2"/>
     <p:sldId id="257" r:id="rId3"/>
-    <p:sldId id="258" r:id="rId4"/>
-    <p:sldId id="259" r:id="rId5"/>
+    <p:sldId id="259" r:id="rId4"/>
+    <p:sldId id="258" r:id="rId5"/>
     <p:sldId id="260" r:id="rId6"/>
     <p:sldId id="261" r:id="rId7"/>
     <p:sldId id="262" r:id="rId8"/>
@@ -347,7 +347,7 @@
             <a:fld id="{5586B75A-687E-405C-8A0B-8D00578BA2C3}" type="datetimeFigureOut">
               <a:rPr lang="en-US" dirty="0"/>
               <a:pPr/>
-              <a:t>4/14/2019</a:t>
+              <a:t>5/17/2019</a:t>
             </a:fld>
             <a:endParaRPr lang="en-US" dirty="0"/>
           </a:p>
@@ -514,7 +514,7 @@
             <a:fld id="{5586B75A-687E-405C-8A0B-8D00578BA2C3}" type="datetimeFigureOut">
               <a:rPr lang="en-US" dirty="0"/>
               <a:pPr/>
-              <a:t>4/14/2019</a:t>
+              <a:t>5/17/2019</a:t>
             </a:fld>
             <a:endParaRPr lang="en-US" dirty="0"/>
           </a:p>
@@ -691,7 +691,7 @@
             <a:fld id="{5586B75A-687E-405C-8A0B-8D00578BA2C3}" type="datetimeFigureOut">
               <a:rPr lang="en-US" dirty="0"/>
               <a:pPr/>
-              <a:t>4/14/2019</a:t>
+              <a:t>5/17/2019</a:t>
             </a:fld>
             <a:endParaRPr lang="en-US" dirty="0"/>
           </a:p>
@@ -858,7 +858,7 @@
             <a:fld id="{5586B75A-687E-405C-8A0B-8D00578BA2C3}" type="datetimeFigureOut">
               <a:rPr lang="en-US" dirty="0"/>
               <a:pPr/>
-              <a:t>4/14/2019</a:t>
+              <a:t>5/17/2019</a:t>
             </a:fld>
             <a:endParaRPr lang="en-US" dirty="0"/>
           </a:p>
@@ -1113,7 +1113,7 @@
             <a:fld id="{5586B75A-687E-405C-8A0B-8D00578BA2C3}" type="datetimeFigureOut">
               <a:rPr lang="en-US" dirty="0"/>
               <a:pPr/>
-              <a:t>4/14/2019</a:t>
+              <a:t>5/17/2019</a:t>
             </a:fld>
             <a:endParaRPr lang="en-US" dirty="0"/>
           </a:p>
@@ -1398,7 +1398,7 @@
             <a:fld id="{5586B75A-687E-405C-8A0B-8D00578BA2C3}" type="datetimeFigureOut">
               <a:rPr lang="en-US" dirty="0"/>
               <a:pPr/>
-              <a:t>4/14/2019</a:t>
+              <a:t>5/17/2019</a:t>
             </a:fld>
             <a:endParaRPr lang="en-US" dirty="0"/>
           </a:p>
@@ -1837,7 +1837,7 @@
             <a:fld id="{5586B75A-687E-405C-8A0B-8D00578BA2C3}" type="datetimeFigureOut">
               <a:rPr lang="en-US" dirty="0"/>
               <a:pPr/>
-              <a:t>4/14/2019</a:t>
+              <a:t>5/17/2019</a:t>
             </a:fld>
             <a:endParaRPr lang="en-US" dirty="0"/>
           </a:p>
@@ -1952,7 +1952,7 @@
             <a:fld id="{5586B75A-687E-405C-8A0B-8D00578BA2C3}" type="datetimeFigureOut">
               <a:rPr lang="en-US" dirty="0"/>
               <a:pPr/>
-              <a:t>4/14/2019</a:t>
+              <a:t>5/17/2019</a:t>
             </a:fld>
             <a:endParaRPr lang="en-US" dirty="0"/>
           </a:p>
@@ -2044,7 +2044,7 @@
             <a:fld id="{5586B75A-687E-405C-8A0B-8D00578BA2C3}" type="datetimeFigureOut">
               <a:rPr lang="en-US" dirty="0"/>
               <a:pPr/>
-              <a:t>4/14/2019</a:t>
+              <a:t>5/17/2019</a:t>
             </a:fld>
             <a:endParaRPr lang="en-US" dirty="0"/>
           </a:p>
@@ -2329,7 +2329,7 @@
             <a:fld id="{5586B75A-687E-405C-8A0B-8D00578BA2C3}" type="datetimeFigureOut">
               <a:rPr lang="en-US" dirty="0"/>
               <a:pPr/>
-              <a:t>4/14/2019</a:t>
+              <a:t>5/17/2019</a:t>
             </a:fld>
             <a:endParaRPr lang="en-US" dirty="0"/>
           </a:p>
@@ -2599,7 +2599,7 @@
             <a:fld id="{5586B75A-687E-405C-8A0B-8D00578BA2C3}" type="datetimeFigureOut">
               <a:rPr lang="en-US" dirty="0"/>
               <a:pPr/>
-              <a:t>4/14/2019</a:t>
+              <a:t>5/17/2019</a:t>
             </a:fld>
             <a:endParaRPr lang="en-US" dirty="0"/>
           </a:p>
@@ -2893,7 +2893,7 @@
             <a:fld id="{5586B75A-687E-405C-8A0B-8D00578BA2C3}" type="datetimeFigureOut">
               <a:rPr lang="en-US" dirty="0"/>
               <a:pPr/>
-              <a:t>4/14/2019</a:t>
+              <a:t>5/17/2019</a:t>
             </a:fld>
             <a:endParaRPr lang="en-US" dirty="0"/>
           </a:p>
@@ -3391,15 +3391,7 @@
           <a:p>
             <a:r>
               <a:rPr lang="ru-RU" sz="4800" dirty="0" smtClean="0"/>
-              <a:t>Создание бота, как искусственного </a:t>
-            </a:r>
-            <a:r>
-              <a:rPr lang="ru-RU" sz="4800" dirty="0" smtClean="0"/>
-              <a:t>интеллекта, </a:t>
-            </a:r>
-            <a:r>
-              <a:rPr lang="ru-RU" sz="4800" dirty="0" smtClean="0"/>
-              <a:t>посредством языка программирования </a:t>
+              <a:t>Создание бота, как искусственного интеллекта, посредством языка программирования </a:t>
             </a:r>
             <a:r>
               <a:rPr lang="en-US" sz="4800" dirty="0" smtClean="0"/>
@@ -3908,11 +3900,6 @@
               </a:rPr>
               <a:t>;</a:t>
             </a:r>
-            <a:endParaRPr lang="ru-RU" sz="2600" dirty="0">
-              <a:solidFill>
-                <a:schemeClr val="tx1"/>
-              </a:solidFill>
-            </a:endParaRPr>
           </a:p>
           <a:p>
             <a:pPr marL="0" indent="0">
@@ -4148,11 +4135,6 @@
               </a:rPr>
               <a:t>: созданный чат-бот можно использовать для развлечений и  отслеживания телепередач в социальной сети с различных электронных устройств. </a:t>
             </a:r>
-            <a:endParaRPr lang="ru-RU" sz="2600" dirty="0">
-              <a:solidFill>
-                <a:schemeClr val="tx1"/>
-              </a:solidFill>
-            </a:endParaRPr>
           </a:p>
         </p:txBody>
       </p:sp>
@@ -4177,214 +4159,6 @@
 </file>
 
 <file path=ppt/slides/slide3.xml><?xml version="1.0" encoding="utf-8"?>
-<p:sld xmlns:a="http://schemas.openxmlformats.org/drawingml/2006/main" xmlns:r="http://schemas.openxmlformats.org/officeDocument/2006/relationships" xmlns:p="http://schemas.openxmlformats.org/presentationml/2006/main">
-  <p:cSld>
-    <p:spTree>
-      <p:nvGrpSpPr>
-        <p:cNvPr id="1" name=""/>
-        <p:cNvGrpSpPr/>
-        <p:nvPr/>
-      </p:nvGrpSpPr>
-      <p:grpSpPr>
-        <a:xfrm>
-          <a:off x="0" y="0"/>
-          <a:ext cx="0" cy="0"/>
-          <a:chOff x="0" y="0"/>
-          <a:chExt cx="0" cy="0"/>
-        </a:xfrm>
-      </p:grpSpPr>
-      <p:sp>
-        <p:nvSpPr>
-          <p:cNvPr id="2" name="Заголовок 1"/>
-          <p:cNvSpPr>
-            <a:spLocks noGrp="1"/>
-          </p:cNvSpPr>
-          <p:nvPr>
-            <p:ph type="title"/>
-          </p:nvPr>
-        </p:nvSpPr>
-        <p:spPr/>
-        <p:txBody>
-          <a:bodyPr>
-            <a:normAutofit/>
-          </a:bodyPr>
-          <a:lstStyle/>
-          <a:p>
-            <a:r>
-              <a:rPr lang="ru-RU" sz="4400" dirty="0" smtClean="0"/>
-              <a:t>История создания ИИ</a:t>
-            </a:r>
-            <a:endParaRPr lang="ru-RU" sz="4400" dirty="0"/>
-          </a:p>
-        </p:txBody>
-      </p:sp>
-      <p:sp>
-        <p:nvSpPr>
-          <p:cNvPr id="3" name="Объект 2"/>
-          <p:cNvSpPr>
-            <a:spLocks noGrp="1"/>
-          </p:cNvSpPr>
-          <p:nvPr>
-            <p:ph idx="1"/>
-          </p:nvPr>
-        </p:nvSpPr>
-        <p:spPr>
-          <a:xfrm>
-            <a:off x="3869268" y="864109"/>
-            <a:ext cx="5008725" cy="3308880"/>
-          </a:xfrm>
-        </p:spPr>
-        <p:txBody>
-          <a:bodyPr>
-            <a:normAutofit fontScale="92500"/>
-          </a:bodyPr>
-          <a:lstStyle/>
-          <a:p>
-            <a:pPr marL="0" indent="0">
-              <a:lnSpc>
-                <a:spcPct val="150000"/>
-              </a:lnSpc>
-              <a:buNone/>
-            </a:pPr>
-            <a:r>
-              <a:rPr lang="ru-RU" dirty="0">
-                <a:solidFill>
-                  <a:schemeClr val="tx1"/>
-                </a:solidFill>
-              </a:rPr>
-              <a:t>С конца 40-х годов ученые все большего  числа  университетских  и промышленных исследовательских лабораторий устремились к дерзкой цели: построение компьютеров,  действующих таким образом, что по результатам работы их невозможно было бы отличить от человеческого разума</a:t>
-            </a:r>
-            <a:r>
-              <a:rPr lang="ru-RU" dirty="0" smtClean="0">
-                <a:solidFill>
-                  <a:schemeClr val="tx1"/>
-                </a:solidFill>
-              </a:rPr>
-              <a:t>.</a:t>
-            </a:r>
-            <a:endParaRPr lang="en-US" dirty="0" smtClean="0">
-              <a:solidFill>
-                <a:schemeClr val="tx1"/>
-              </a:solidFill>
-            </a:endParaRPr>
-          </a:p>
-        </p:txBody>
-      </p:sp>
-      <p:pic>
-        <p:nvPicPr>
-          <p:cNvPr id="2050" name="Picture 2" descr="ÐÐ°ÑÑÐ¸Ð½ÐºÐ¸ Ð¿Ð¾ Ð·Ð°Ð¿ÑÐ¾ÑÑ ÑÐµÐ»Ð¾Ð²ÐµÑÐµÑÐºÐ¸Ð¹ ÑÐ°Ð·ÑÐ¼"/>
-          <p:cNvPicPr>
-            <a:picLocks noChangeAspect="1" noChangeArrowheads="1"/>
-          </p:cNvPicPr>
-          <p:nvPr/>
-        </p:nvPicPr>
-        <p:blipFill>
-          <a:blip r:embed="rId2">
-            <a:extLst>
-              <a:ext uri="{28A0092B-C50C-407E-A947-70E740481C1C}">
-                <a14:useLocalDpi xmlns:a14="http://schemas.microsoft.com/office/drawing/2010/main" val="0"/>
-              </a:ext>
-            </a:extLst>
-          </a:blip>
-          <a:srcRect/>
-          <a:stretch>
-            <a:fillRect/>
-          </a:stretch>
-        </p:blipFill>
-        <p:spPr bwMode="auto">
-          <a:xfrm>
-            <a:off x="8877993" y="1566220"/>
-            <a:ext cx="2718262" cy="1904658"/>
-          </a:xfrm>
-          <a:prstGeom prst="rect">
-            <a:avLst/>
-          </a:prstGeom>
-          <a:noFill/>
-          <a:extLst>
-            <a:ext uri="{909E8E84-426E-40DD-AFC4-6F175D3DCCD1}">
-              <a14:hiddenFill xmlns:a14="http://schemas.microsoft.com/office/drawing/2010/main">
-                <a:solidFill>
-                  <a:srgbClr val="FFFFFF"/>
-                </a:solidFill>
-              </a14:hiddenFill>
-            </a:ext>
-          </a:extLst>
-        </p:spPr>
-      </p:pic>
-      <p:sp>
-        <p:nvSpPr>
-          <p:cNvPr id="4" name="TextBox 3"/>
-          <p:cNvSpPr txBox="1"/>
-          <p:nvPr/>
-        </p:nvSpPr>
-        <p:spPr>
-          <a:xfrm>
-            <a:off x="3869268" y="4106487"/>
-            <a:ext cx="7618921" cy="2031325"/>
-          </a:xfrm>
-          <a:prstGeom prst="rect">
-            <a:avLst/>
-          </a:prstGeom>
-          <a:noFill/>
-        </p:spPr>
-        <p:txBody>
-          <a:bodyPr wrap="square" rtlCol="0">
-            <a:spAutoFit/>
-          </a:bodyPr>
-          <a:lstStyle/>
-          <a:p>
-            <a:pPr>
-              <a:lnSpc>
-                <a:spcPct val="150000"/>
-              </a:lnSpc>
-            </a:pPr>
-            <a:r>
-              <a:rPr lang="ru-RU" dirty="0"/>
-              <a:t>Исследователи пришли  к  выводу,  что пожалуй самая трудная </a:t>
-            </a:r>
-            <a:r>
-              <a:rPr lang="ru-RU" dirty="0" smtClean="0"/>
-              <a:t>проблема, стоящая </a:t>
-            </a:r>
-            <a:r>
-              <a:rPr lang="ru-RU" dirty="0"/>
-              <a:t>перед современной наукой - познание </a:t>
-            </a:r>
-            <a:r>
-              <a:rPr lang="ru-RU" dirty="0" smtClean="0"/>
-              <a:t>процессов функционирования человеческого </a:t>
-            </a:r>
-            <a:r>
-              <a:rPr lang="ru-RU" dirty="0"/>
-              <a:t>разума,  а не просто имитация его работы.</a:t>
-            </a:r>
-          </a:p>
-          <a:p>
-            <a:endParaRPr lang="ru-RU" dirty="0"/>
-          </a:p>
-        </p:txBody>
-      </p:sp>
-    </p:spTree>
-    <p:extLst>
-      <p:ext uri="{BB962C8B-B14F-4D97-AF65-F5344CB8AC3E}">
-        <p14:creationId xmlns:p14="http://schemas.microsoft.com/office/powerpoint/2010/main" val="3478396683"/>
-      </p:ext>
-    </p:extLst>
-  </p:cSld>
-  <p:clrMapOvr>
-    <a:masterClrMapping/>
-  </p:clrMapOvr>
-  <p:timing>
-    <p:tnLst>
-      <p:par>
-        <p:cTn id="1" dur="indefinite" restart="never" nodeType="tmRoot"/>
-      </p:par>
-    </p:tnLst>
-  </p:timing>
-</p:sld>
-</file>
-
-<file path=ppt/slides/slide4.xml><?xml version="1.0" encoding="utf-8"?>
 <p:sld xmlns:a="http://schemas.openxmlformats.org/drawingml/2006/main" xmlns:r="http://schemas.openxmlformats.org/officeDocument/2006/relationships" xmlns:p="http://schemas.openxmlformats.org/presentationml/2006/main">
   <p:cSld>
     <p:spTree>
@@ -4573,15 +4347,7 @@
               <a:srgbClr val="FFFFFF"/>
             </a:contourClr>
           </a:sp3d>
-          <a:extLst>
-            <a:ext uri="{909E8E84-426E-40DD-AFC4-6F175D3DCCD1}">
-              <a14:hiddenFill xmlns:a14="http://schemas.microsoft.com/office/drawing/2010/main">
-                <a:solidFill>
-                  <a:srgbClr val="FFFFFF"/>
-                </a:solidFill>
-              </a14:hiddenFill>
-            </a:ext>
-          </a:extLst>
+          <a:extLst/>
         </p:spPr>
       </p:pic>
       <p:sp>
@@ -4619,6 +4385,111 @@
     <p:extLst>
       <p:ext uri="{BB962C8B-B14F-4D97-AF65-F5344CB8AC3E}">
         <p14:creationId xmlns:p14="http://schemas.microsoft.com/office/powerpoint/2010/main" val="225336243"/>
+      </p:ext>
+    </p:extLst>
+  </p:cSld>
+  <p:clrMapOvr>
+    <a:masterClrMapping/>
+  </p:clrMapOvr>
+  <p:timing>
+    <p:tnLst>
+      <p:par>
+        <p:cTn id="1" dur="indefinite" restart="never" nodeType="tmRoot"/>
+      </p:par>
+    </p:tnLst>
+  </p:timing>
+</p:sld>
+</file>
+
+<file path=ppt/slides/slide4.xml><?xml version="1.0" encoding="utf-8"?>
+<p:sld xmlns:a="http://schemas.openxmlformats.org/drawingml/2006/main" xmlns:r="http://schemas.openxmlformats.org/officeDocument/2006/relationships" xmlns:p="http://schemas.openxmlformats.org/presentationml/2006/main">
+  <p:cSld>
+    <p:spTree>
+      <p:nvGrpSpPr>
+        <p:cNvPr id="1" name=""/>
+        <p:cNvGrpSpPr/>
+        <p:nvPr/>
+      </p:nvGrpSpPr>
+      <p:grpSpPr>
+        <a:xfrm>
+          <a:off x="0" y="0"/>
+          <a:ext cx="0" cy="0"/>
+          <a:chOff x="0" y="0"/>
+          <a:chExt cx="0" cy="0"/>
+        </a:xfrm>
+      </p:grpSpPr>
+      <p:sp>
+        <p:nvSpPr>
+          <p:cNvPr id="2" name="Заголовок 1"/>
+          <p:cNvSpPr>
+            <a:spLocks noGrp="1"/>
+          </p:cNvSpPr>
+          <p:nvPr>
+            <p:ph type="title"/>
+          </p:nvPr>
+        </p:nvSpPr>
+        <p:spPr/>
+        <p:txBody>
+          <a:bodyPr>
+            <a:normAutofit/>
+          </a:bodyPr>
+          <a:lstStyle/>
+          <a:p>
+            <a:r>
+              <a:rPr lang="ru-RU" sz="4400" dirty="0" smtClean="0"/>
+              <a:t>История создания ИИ</a:t>
+            </a:r>
+            <a:endParaRPr lang="ru-RU" sz="4400" dirty="0"/>
+          </a:p>
+        </p:txBody>
+      </p:sp>
+      <p:pic>
+        <p:nvPicPr>
+          <p:cNvPr id="1026" name="Picture 2" descr="ÐÐ°ÑÑÐ¸Ð½ÐºÐ¸ Ð¿Ð¾ Ð·Ð°Ð¿ÑÐ¾ÑÑ Ð²Ð¸ÑÑÑÐ°Ð»ÑÐ½ÑÐ¹ ÑÐ¾Ð±ÐµÑÐµÐ´Ð½Ð¸Ðº ÑÐ»Ð¸Ð·Ð°"/>
+          <p:cNvPicPr>
+            <a:picLocks noGrp="1" noChangeAspect="1" noChangeArrowheads="1"/>
+          </p:cNvPicPr>
+          <p:nvPr>
+            <p:ph idx="1"/>
+          </p:nvPr>
+        </p:nvPicPr>
+        <p:blipFill>
+          <a:blip r:embed="rId2">
+            <a:extLst>
+              <a:ext uri="{28A0092B-C50C-407E-A947-70E740481C1C}">
+                <a14:useLocalDpi xmlns:a14="http://schemas.microsoft.com/office/drawing/2010/main" val="0"/>
+              </a:ext>
+            </a:extLst>
+          </a:blip>
+          <a:srcRect/>
+          <a:stretch>
+            <a:fillRect/>
+          </a:stretch>
+        </p:blipFill>
+        <p:spPr bwMode="auto">
+          <a:xfrm>
+            <a:off x="3732389" y="1123838"/>
+            <a:ext cx="7752607" cy="4314938"/>
+          </a:xfrm>
+          <a:prstGeom prst="rect">
+            <a:avLst/>
+          </a:prstGeom>
+          <a:noFill/>
+          <a:extLst>
+            <a:ext uri="{909E8E84-426E-40DD-AFC4-6F175D3DCCD1}">
+              <a14:hiddenFill xmlns:a14="http://schemas.microsoft.com/office/drawing/2010/main">
+                <a:solidFill>
+                  <a:srgbClr val="FFFFFF"/>
+                </a:solidFill>
+              </a14:hiddenFill>
+            </a:ext>
+          </a:extLst>
+        </p:spPr>
+      </p:pic>
+    </p:spTree>
+    <p:extLst>
+      <p:ext uri="{BB962C8B-B14F-4D97-AF65-F5344CB8AC3E}">
+        <p14:creationId xmlns:p14="http://schemas.microsoft.com/office/powerpoint/2010/main" val="3478396683"/>
       </p:ext>
     </p:extLst>
   </p:cSld>
@@ -4687,56 +4558,6 @@
           </a:p>
         </p:txBody>
       </p:sp>
-      <p:sp>
-        <p:nvSpPr>
-          <p:cNvPr id="3" name="Объект 2"/>
-          <p:cNvSpPr>
-            <a:spLocks noGrp="1"/>
-          </p:cNvSpPr>
-          <p:nvPr>
-            <p:ph idx="1"/>
-          </p:nvPr>
-        </p:nvSpPr>
-        <p:spPr>
-          <a:xfrm>
-            <a:off x="3869268" y="864108"/>
-            <a:ext cx="5108477" cy="5120640"/>
-          </a:xfrm>
-        </p:spPr>
-        <p:txBody>
-          <a:bodyPr/>
-          <a:lstStyle/>
-          <a:p>
-            <a:pPr marL="0" indent="0">
-              <a:lnSpc>
-                <a:spcPct val="150000"/>
-              </a:lnSpc>
-              <a:buNone/>
-            </a:pPr>
-            <a:r>
-              <a:rPr lang="ru-RU" b="1" dirty="0">
-                <a:solidFill>
-                  <a:schemeClr val="tx1"/>
-                </a:solidFill>
-              </a:rPr>
-              <a:t>Чат-бот</a:t>
-            </a:r>
-            <a:r>
-              <a:rPr lang="ru-RU" dirty="0">
-                <a:solidFill>
-                  <a:schemeClr val="tx1"/>
-                </a:solidFill>
-              </a:rPr>
-              <a:t> — это программа, работающая внутри социальной сети или другого приложения. Такая программа способна отвечать на вопросы а также самостоятельно задавать их.</a:t>
-            </a:r>
-            <a:endParaRPr lang="ru-RU" dirty="0">
-              <a:solidFill>
-                <a:schemeClr val="tx1"/>
-              </a:solidFill>
-            </a:endParaRPr>
-          </a:p>
-        </p:txBody>
-      </p:sp>
       <p:pic>
         <p:nvPicPr>
           <p:cNvPr id="3074" name="Picture 2" descr="ÐÐ°ÑÑÐ¸Ð½ÐºÐ¸ Ð¿Ð¾ Ð·Ð°Ð¿ÑÐ¾ÑÑ ÑÐ°Ñ Ð±Ð¾Ñ"/>
@@ -4760,8 +4581,8 @@
         </p:blipFill>
         <p:spPr bwMode="auto">
           <a:xfrm>
-            <a:off x="9044247" y="2229791"/>
-            <a:ext cx="2653550" cy="2389274"/>
+            <a:off x="5088195" y="1312698"/>
+            <a:ext cx="4205616" cy="3786765"/>
           </a:xfrm>
           <a:prstGeom prst="rect">
             <a:avLst/>
@@ -5031,89 +4852,6 @@
           </a:p>
         </p:txBody>
       </p:sp>
-      <p:sp>
-        <p:nvSpPr>
-          <p:cNvPr id="3" name="Объект 2"/>
-          <p:cNvSpPr>
-            <a:spLocks noGrp="1"/>
-          </p:cNvSpPr>
-          <p:nvPr>
-            <p:ph idx="1"/>
-          </p:nvPr>
-        </p:nvSpPr>
-        <p:spPr>
-          <a:xfrm>
-            <a:off x="3993959" y="897775"/>
-            <a:ext cx="6247321" cy="2385753"/>
-          </a:xfrm>
-        </p:spPr>
-        <p:txBody>
-          <a:bodyPr>
-            <a:noAutofit/>
-          </a:bodyPr>
-          <a:lstStyle/>
-          <a:p>
-            <a:pPr marL="0" indent="0">
-              <a:lnSpc>
-                <a:spcPct val="100000"/>
-              </a:lnSpc>
-              <a:spcBef>
-                <a:spcPts val="0"/>
-              </a:spcBef>
-              <a:buNone/>
-            </a:pPr>
-            <a:r>
-              <a:rPr lang="ru-RU" sz="2800" b="1" dirty="0" smtClean="0">
-                <a:solidFill>
-                  <a:schemeClr val="tx1"/>
-                </a:solidFill>
-              </a:rPr>
-              <a:t>Язык </a:t>
-            </a:r>
-            <a:r>
-              <a:rPr lang="ru-RU" sz="2800" b="1" dirty="0">
-                <a:solidFill>
-                  <a:schemeClr val="tx1"/>
-                </a:solidFill>
-              </a:rPr>
-              <a:t>программирования </a:t>
-            </a:r>
-            <a:r>
-              <a:rPr lang="en-US" sz="2800" b="1" dirty="0">
-                <a:solidFill>
-                  <a:schemeClr val="tx1"/>
-                </a:solidFill>
-              </a:rPr>
-              <a:t>Python</a:t>
-            </a:r>
-            <a:r>
-              <a:rPr lang="ru-RU" sz="2800" b="1" dirty="0">
-                <a:solidFill>
-                  <a:schemeClr val="tx1"/>
-                </a:solidFill>
-              </a:rPr>
-              <a:t> </a:t>
-            </a:r>
-            <a:r>
-              <a:rPr lang="ru-RU" sz="2800" b="1" dirty="0" smtClean="0">
-                <a:solidFill>
-                  <a:schemeClr val="tx1"/>
-                </a:solidFill>
-              </a:rPr>
-              <a:t> </a:t>
-            </a:r>
-            <a:r>
-              <a:rPr lang="ru-RU" sz="2800" dirty="0">
-                <a:solidFill>
-                  <a:schemeClr val="tx1"/>
-                </a:solidFill>
-              </a:rPr>
-              <a:t>— это современный и мощный инструмент для создания программ самого разнообразного назначения. </a:t>
-            </a:r>
-            <a:endParaRPr lang="ru-RU" sz="2800" dirty="0"/>
-          </a:p>
-        </p:txBody>
-      </p:sp>
       <p:pic>
         <p:nvPicPr>
           <p:cNvPr id="4102" name="Picture 6" descr="ÐÐ°ÑÑÐ¸Ð½ÐºÐ¸ Ð¿Ð¾ Ð·Ð°Ð¿ÑÐ¾ÑÑ Ð¯Ð·ÑÐº Ð¿ÑÐ¾Ð³ÑÐ°Ð¼Ð¼Ð¸ÑÐ¾Ð²Ð°Ð½Ð¸Ñ Python"/>
@@ -5137,8 +4875,8 @@
         </p:blipFill>
         <p:spPr bwMode="auto">
           <a:xfrm>
-            <a:off x="5205716" y="3283528"/>
-            <a:ext cx="4004786" cy="2703230"/>
+            <a:off x="4963482" y="1504335"/>
+            <a:ext cx="5220413" cy="3523778"/>
           </a:xfrm>
           <a:prstGeom prst="rect">
             <a:avLst/>
@@ -5215,161 +4953,6 @@
           </a:p>
         </p:txBody>
       </p:sp>
-      <p:sp>
-        <p:nvSpPr>
-          <p:cNvPr id="3" name="Объект 2"/>
-          <p:cNvSpPr>
-            <a:spLocks noGrp="1"/>
-          </p:cNvSpPr>
-          <p:nvPr>
-            <p:ph idx="1"/>
-          </p:nvPr>
-        </p:nvSpPr>
-        <p:spPr>
-          <a:xfrm>
-            <a:off x="3869268" y="816765"/>
-            <a:ext cx="5460999" cy="2874585"/>
-          </a:xfrm>
-        </p:spPr>
-        <p:txBody>
-          <a:bodyPr>
-            <a:normAutofit/>
-          </a:bodyPr>
-          <a:lstStyle/>
-          <a:p>
-            <a:pPr marL="0" indent="0">
-              <a:lnSpc>
-                <a:spcPct val="120000"/>
-              </a:lnSpc>
-              <a:spcBef>
-                <a:spcPts val="600"/>
-              </a:spcBef>
-              <a:buNone/>
-            </a:pPr>
-            <a:r>
-              <a:rPr lang="ru-RU" sz="2400" b="1" dirty="0">
-                <a:solidFill>
-                  <a:schemeClr val="tx1"/>
-                </a:solidFill>
-              </a:rPr>
-              <a:t>База готовых команд </a:t>
-            </a:r>
-            <a:r>
-              <a:rPr lang="en-US" sz="2400" b="1" dirty="0" smtClean="0">
-                <a:solidFill>
-                  <a:schemeClr val="tx1"/>
-                </a:solidFill>
-              </a:rPr>
-              <a:t>API</a:t>
-            </a:r>
-            <a:endParaRPr lang="ru-RU" sz="2400" b="1" dirty="0" smtClean="0">
-              <a:solidFill>
-                <a:schemeClr val="tx1"/>
-              </a:solidFill>
-            </a:endParaRPr>
-          </a:p>
-          <a:p>
-            <a:pPr marL="0" indent="0">
-              <a:lnSpc>
-                <a:spcPct val="120000"/>
-              </a:lnSpc>
-              <a:spcBef>
-                <a:spcPts val="600"/>
-              </a:spcBef>
-              <a:buNone/>
-            </a:pPr>
-            <a:r>
-              <a:rPr lang="en-US" sz="2400" dirty="0" smtClean="0">
-                <a:solidFill>
-                  <a:schemeClr val="tx1"/>
-                </a:solidFill>
-              </a:rPr>
-              <a:t>Application</a:t>
-            </a:r>
-            <a:r>
-              <a:rPr lang="ru-RU" sz="2400" dirty="0" smtClean="0">
-                <a:solidFill>
-                  <a:schemeClr val="tx1"/>
-                </a:solidFill>
-              </a:rPr>
-              <a:t> </a:t>
-            </a:r>
-            <a:r>
-              <a:rPr lang="en-US" sz="2400" dirty="0" smtClean="0">
-                <a:solidFill>
-                  <a:schemeClr val="tx1"/>
-                </a:solidFill>
-              </a:rPr>
-              <a:t>Programming</a:t>
-            </a:r>
-            <a:r>
-              <a:rPr lang="ru-RU" sz="2400" dirty="0" smtClean="0">
-                <a:solidFill>
-                  <a:schemeClr val="tx1"/>
-                </a:solidFill>
-              </a:rPr>
-              <a:t> </a:t>
-            </a:r>
-            <a:r>
-              <a:rPr lang="en-US" sz="2400" dirty="0" smtClean="0">
-                <a:solidFill>
-                  <a:schemeClr val="tx1"/>
-                </a:solidFill>
-              </a:rPr>
-              <a:t>Interface</a:t>
-            </a:r>
-            <a:r>
-              <a:rPr lang="ru-RU" sz="2400" b="1" dirty="0">
-                <a:solidFill>
-                  <a:schemeClr val="tx1"/>
-                </a:solidFill>
-              </a:rPr>
-              <a:t> </a:t>
-            </a:r>
-            <a:r>
-              <a:rPr lang="ru-RU" sz="2400" b="1" dirty="0" smtClean="0">
-                <a:solidFill>
-                  <a:schemeClr val="tx1"/>
-                </a:solidFill>
-              </a:rPr>
-              <a:t>- </a:t>
-            </a:r>
-            <a:r>
-              <a:rPr lang="ru-RU" sz="2400" dirty="0">
-                <a:solidFill>
-                  <a:schemeClr val="tx1"/>
-                </a:solidFill>
-              </a:rPr>
-              <a:t>и</a:t>
-            </a:r>
-            <a:r>
-              <a:rPr lang="ru-RU" sz="2400" dirty="0" smtClean="0">
-                <a:solidFill>
-                  <a:schemeClr val="tx1"/>
-                </a:solidFill>
-              </a:rPr>
-              <a:t>нтерфейс</a:t>
-            </a:r>
-            <a:r>
-              <a:rPr lang="ru-RU" sz="2400" dirty="0">
-                <a:solidFill>
-                  <a:schemeClr val="tx1"/>
-                </a:solidFill>
-              </a:rPr>
-              <a:t>, который </a:t>
-            </a:r>
-            <a:r>
-              <a:rPr lang="ru-RU" sz="2400" dirty="0" smtClean="0">
-                <a:solidFill>
-                  <a:schemeClr val="tx1"/>
-                </a:solidFill>
-              </a:rPr>
-              <a:t>позволяет разработчикам использовать готовые блоки для построения приложения.</a:t>
-            </a:r>
-            <a:endParaRPr lang="ru-RU" dirty="0"/>
-          </a:p>
-        </p:txBody>
-      </p:sp>
       <p:pic>
         <p:nvPicPr>
           <p:cNvPr id="5124" name="Picture 4" descr="ÐÐ°ÑÑÐ¸Ð½ÐºÐ¸ Ð¿Ð¾ Ð·Ð°Ð¿ÑÐ¾ÑÑ api vk"/>
@@ -5393,8 +4976,8 @@
         </p:blipFill>
         <p:spPr bwMode="auto">
           <a:xfrm>
-            <a:off x="9167284" y="1532235"/>
-            <a:ext cx="2578100" cy="1718733"/>
+            <a:off x="6344110" y="4114800"/>
+            <a:ext cx="2415328" cy="1610220"/>
           </a:xfrm>
           <a:prstGeom prst="rect">
             <a:avLst/>
@@ -5411,50 +4994,47 @@
           </a:extLst>
         </p:spPr>
       </p:pic>
-      <p:sp>
-        <p:nvSpPr>
-          <p:cNvPr id="4" name="TextBox 3"/>
-          <p:cNvSpPr txBox="1"/>
+      <p:pic>
+        <p:nvPicPr>
+          <p:cNvPr id="2050" name="Picture 2" descr="ÐÐ°ÑÑÐ¸Ð½ÐºÐ¸ Ð¿Ð¾ Ð·Ð°Ð¿ÑÐ¾ÑÑ api"/>
+          <p:cNvPicPr>
+            <a:picLocks noChangeAspect="1" noChangeArrowheads="1"/>
+          </p:cNvPicPr>
           <p:nvPr/>
-        </p:nvSpPr>
-        <p:spPr>
+        </p:nvPicPr>
+        <p:blipFill>
+          <a:blip r:embed="rId3">
+            <a:extLst>
+              <a:ext uri="{28A0092B-C50C-407E-A947-70E740481C1C}">
+                <a14:useLocalDpi xmlns:a14="http://schemas.microsoft.com/office/drawing/2010/main" val="0"/>
+              </a:ext>
+            </a:extLst>
+          </a:blip>
+          <a:srcRect/>
+          <a:stretch>
+            <a:fillRect/>
+          </a:stretch>
+        </p:blipFill>
+        <p:spPr bwMode="auto">
           <a:xfrm>
-            <a:off x="3869268" y="4131733"/>
-            <a:ext cx="7713132" cy="1938992"/>
+            <a:off x="4910927" y="873738"/>
+            <a:ext cx="5185061" cy="2916597"/>
           </a:xfrm>
           <a:prstGeom prst="rect">
             <a:avLst/>
           </a:prstGeom>
           <a:noFill/>
+          <a:extLst>
+            <a:ext uri="{909E8E84-426E-40DD-AFC4-6F175D3DCCD1}">
+              <a14:hiddenFill xmlns:a14="http://schemas.microsoft.com/office/drawing/2010/main">
+                <a:solidFill>
+                  <a:srgbClr val="FFFFFF"/>
+                </a:solidFill>
+              </a14:hiddenFill>
+            </a:ext>
+          </a:extLst>
         </p:spPr>
-        <p:txBody>
-          <a:bodyPr wrap="square" rtlCol="0">
-            <a:spAutoFit/>
-          </a:bodyPr>
-          <a:lstStyle/>
-          <a:p>
-            <a:r>
-              <a:rPr lang="en-US" sz="2400" b="1" dirty="0"/>
-              <a:t>VK API - </a:t>
-            </a:r>
-            <a:r>
-              <a:rPr lang="ru-RU" sz="2400" dirty="0"/>
-              <a:t>это интерфейс предоставляемый ВКонтакте, который позволяет получать информацию из базы данных vk.com с помощью </a:t>
-            </a:r>
-            <a:r>
-              <a:rPr lang="ru-RU" sz="2400" dirty="0" err="1"/>
-              <a:t>http</a:t>
-            </a:r>
-            <a:r>
-              <a:rPr lang="ru-RU" sz="2400" dirty="0"/>
-              <a:t>-запросов к специальному серверу.</a:t>
-            </a:r>
-          </a:p>
-          <a:p>
-            <a:endParaRPr lang="ru-RU" sz="2400" dirty="0"/>
-          </a:p>
-        </p:txBody>
-      </p:sp>
+      </p:pic>
     </p:spTree>
     <p:extLst>
       <p:ext uri="{BB962C8B-B14F-4D97-AF65-F5344CB8AC3E}">

--- a/Создание бота, как искусственного интеллекта посредством языка.pptx
+++ b/Создание бота, как искусственного интеллекта посредством языка.pptx
@@ -15,7 +15,13 @@
     <p:sldId id="263" r:id="rId9"/>
     <p:sldId id="264" r:id="rId10"/>
     <p:sldId id="265" r:id="rId11"/>
-    <p:sldId id="266" r:id="rId12"/>
+    <p:sldId id="267" r:id="rId12"/>
+    <p:sldId id="268" r:id="rId13"/>
+    <p:sldId id="269" r:id="rId14"/>
+    <p:sldId id="270" r:id="rId15"/>
+    <p:sldId id="271" r:id="rId16"/>
+    <p:sldId id="272" r:id="rId17"/>
+    <p:sldId id="266" r:id="rId18"/>
   </p:sldIdLst>
   <p:sldSz cx="12192000" cy="6858000"/>
   <p:notesSz cx="6858000" cy="9144000"/>
@@ -3666,6 +3672,354 @@
       </p:grpSpPr>
       <p:pic>
         <p:nvPicPr>
+          <p:cNvPr id="2" name="Рисунок 1"/>
+          <p:cNvPicPr/>
+          <p:nvPr/>
+        </p:nvPicPr>
+        <p:blipFill>
+          <a:blip r:embed="rId2">
+            <a:extLst>
+              <a:ext uri="{28A0092B-C50C-407E-A947-70E740481C1C}">
+                <a14:useLocalDpi xmlns:a14="http://schemas.microsoft.com/office/drawing/2010/main" val="0"/>
+              </a:ext>
+            </a:extLst>
+          </a:blip>
+          <a:stretch>
+            <a:fillRect/>
+          </a:stretch>
+        </p:blipFill>
+        <p:spPr>
+          <a:xfrm>
+            <a:off x="475831" y="2291938"/>
+            <a:ext cx="11086776" cy="2396564"/>
+          </a:xfrm>
+          <a:prstGeom prst="rect">
+            <a:avLst/>
+          </a:prstGeom>
+        </p:spPr>
+      </p:pic>
+    </p:spTree>
+    <p:extLst>
+      <p:ext uri="{BB962C8B-B14F-4D97-AF65-F5344CB8AC3E}">
+        <p14:creationId xmlns:p14="http://schemas.microsoft.com/office/powerpoint/2010/main" val="2968819871"/>
+      </p:ext>
+    </p:extLst>
+  </p:cSld>
+  <p:clrMapOvr>
+    <a:masterClrMapping/>
+  </p:clrMapOvr>
+</p:sld>
+</file>
+
+<file path=ppt/slides/slide12.xml><?xml version="1.0" encoding="utf-8"?>
+<p:sld xmlns:a="http://schemas.openxmlformats.org/drawingml/2006/main" xmlns:r="http://schemas.openxmlformats.org/officeDocument/2006/relationships" xmlns:p="http://schemas.openxmlformats.org/presentationml/2006/main">
+  <p:cSld>
+    <p:spTree>
+      <p:nvGrpSpPr>
+        <p:cNvPr id="1" name=""/>
+        <p:cNvGrpSpPr/>
+        <p:nvPr/>
+      </p:nvGrpSpPr>
+      <p:grpSpPr>
+        <a:xfrm>
+          <a:off x="0" y="0"/>
+          <a:ext cx="0" cy="0"/>
+          <a:chOff x="0" y="0"/>
+          <a:chExt cx="0" cy="0"/>
+        </a:xfrm>
+      </p:grpSpPr>
+      <p:pic>
+        <p:nvPicPr>
+          <p:cNvPr id="2" name="Рисунок 1"/>
+          <p:cNvPicPr/>
+          <p:nvPr/>
+        </p:nvPicPr>
+        <p:blipFill>
+          <a:blip r:embed="rId2" cstate="print">
+            <a:extLst>
+              <a:ext uri="{28A0092B-C50C-407E-A947-70E740481C1C}">
+                <a14:useLocalDpi xmlns:a14="http://schemas.microsoft.com/office/drawing/2010/main" val="0"/>
+              </a:ext>
+            </a:extLst>
+          </a:blip>
+          <a:stretch>
+            <a:fillRect/>
+          </a:stretch>
+        </p:blipFill>
+        <p:spPr>
+          <a:xfrm>
+            <a:off x="402639" y="2232563"/>
+            <a:ext cx="11453957" cy="2801652"/>
+          </a:xfrm>
+          <a:prstGeom prst="rect">
+            <a:avLst/>
+          </a:prstGeom>
+        </p:spPr>
+      </p:pic>
+    </p:spTree>
+    <p:extLst>
+      <p:ext uri="{BB962C8B-B14F-4D97-AF65-F5344CB8AC3E}">
+        <p14:creationId xmlns:p14="http://schemas.microsoft.com/office/powerpoint/2010/main" val="2036964287"/>
+      </p:ext>
+    </p:extLst>
+  </p:cSld>
+  <p:clrMapOvr>
+    <a:masterClrMapping/>
+  </p:clrMapOvr>
+</p:sld>
+</file>
+
+<file path=ppt/slides/slide13.xml><?xml version="1.0" encoding="utf-8"?>
+<p:sld xmlns:a="http://schemas.openxmlformats.org/drawingml/2006/main" xmlns:r="http://schemas.openxmlformats.org/officeDocument/2006/relationships" xmlns:p="http://schemas.openxmlformats.org/presentationml/2006/main">
+  <p:cSld>
+    <p:spTree>
+      <p:nvGrpSpPr>
+        <p:cNvPr id="1" name=""/>
+        <p:cNvGrpSpPr/>
+        <p:nvPr/>
+      </p:nvGrpSpPr>
+      <p:grpSpPr>
+        <a:xfrm>
+          <a:off x="0" y="0"/>
+          <a:ext cx="0" cy="0"/>
+          <a:chOff x="0" y="0"/>
+          <a:chExt cx="0" cy="0"/>
+        </a:xfrm>
+      </p:grpSpPr>
+      <p:pic>
+        <p:nvPicPr>
+          <p:cNvPr id="2" name="Рисунок 1"/>
+          <p:cNvPicPr/>
+          <p:nvPr/>
+        </p:nvPicPr>
+        <p:blipFill>
+          <a:blip r:embed="rId2" cstate="print">
+            <a:extLst>
+              <a:ext uri="{28A0092B-C50C-407E-A947-70E740481C1C}">
+                <a14:useLocalDpi xmlns:a14="http://schemas.microsoft.com/office/drawing/2010/main" val="0"/>
+              </a:ext>
+            </a:extLst>
+          </a:blip>
+          <a:stretch>
+            <a:fillRect/>
+          </a:stretch>
+        </p:blipFill>
+        <p:spPr>
+          <a:xfrm>
+            <a:off x="325030" y="2458192"/>
+            <a:ext cx="11645235" cy="2562563"/>
+          </a:xfrm>
+          <a:prstGeom prst="rect">
+            <a:avLst/>
+          </a:prstGeom>
+        </p:spPr>
+      </p:pic>
+    </p:spTree>
+    <p:extLst>
+      <p:ext uri="{BB962C8B-B14F-4D97-AF65-F5344CB8AC3E}">
+        <p14:creationId xmlns:p14="http://schemas.microsoft.com/office/powerpoint/2010/main" val="1010510975"/>
+      </p:ext>
+    </p:extLst>
+  </p:cSld>
+  <p:clrMapOvr>
+    <a:masterClrMapping/>
+  </p:clrMapOvr>
+</p:sld>
+</file>
+
+<file path=ppt/slides/slide14.xml><?xml version="1.0" encoding="utf-8"?>
+<p:sld xmlns:a="http://schemas.openxmlformats.org/drawingml/2006/main" xmlns:r="http://schemas.openxmlformats.org/officeDocument/2006/relationships" xmlns:p="http://schemas.openxmlformats.org/presentationml/2006/main">
+  <p:cSld>
+    <p:spTree>
+      <p:nvGrpSpPr>
+        <p:cNvPr id="1" name=""/>
+        <p:cNvGrpSpPr/>
+        <p:nvPr/>
+      </p:nvGrpSpPr>
+      <p:grpSpPr>
+        <a:xfrm>
+          <a:off x="0" y="0"/>
+          <a:ext cx="0" cy="0"/>
+          <a:chOff x="0" y="0"/>
+          <a:chExt cx="0" cy="0"/>
+        </a:xfrm>
+      </p:grpSpPr>
+      <p:pic>
+        <p:nvPicPr>
+          <p:cNvPr id="2" name="Рисунок 1"/>
+          <p:cNvPicPr/>
+          <p:nvPr/>
+        </p:nvPicPr>
+        <p:blipFill>
+          <a:blip r:embed="rId2">
+            <a:extLst>
+              <a:ext uri="{28A0092B-C50C-407E-A947-70E740481C1C}">
+                <a14:useLocalDpi xmlns:a14="http://schemas.microsoft.com/office/drawing/2010/main" val="0"/>
+              </a:ext>
+            </a:extLst>
+          </a:blip>
+          <a:stretch>
+            <a:fillRect/>
+          </a:stretch>
+        </p:blipFill>
+        <p:spPr>
+          <a:xfrm>
+            <a:off x="462970" y="2339440"/>
+            <a:ext cx="11441128" cy="2594252"/>
+          </a:xfrm>
+          <a:prstGeom prst="rect">
+            <a:avLst/>
+          </a:prstGeom>
+        </p:spPr>
+      </p:pic>
+    </p:spTree>
+    <p:extLst>
+      <p:ext uri="{BB962C8B-B14F-4D97-AF65-F5344CB8AC3E}">
+        <p14:creationId xmlns:p14="http://schemas.microsoft.com/office/powerpoint/2010/main" val="3566494488"/>
+      </p:ext>
+    </p:extLst>
+  </p:cSld>
+  <p:clrMapOvr>
+    <a:masterClrMapping/>
+  </p:clrMapOvr>
+</p:sld>
+</file>
+
+<file path=ppt/slides/slide15.xml><?xml version="1.0" encoding="utf-8"?>
+<p:sld xmlns:a="http://schemas.openxmlformats.org/drawingml/2006/main" xmlns:r="http://schemas.openxmlformats.org/officeDocument/2006/relationships" xmlns:p="http://schemas.openxmlformats.org/presentationml/2006/main">
+  <p:cSld>
+    <p:spTree>
+      <p:nvGrpSpPr>
+        <p:cNvPr id="1" name=""/>
+        <p:cNvGrpSpPr/>
+        <p:nvPr/>
+      </p:nvGrpSpPr>
+      <p:grpSpPr>
+        <a:xfrm>
+          <a:off x="0" y="0"/>
+          <a:ext cx="0" cy="0"/>
+          <a:chOff x="0" y="0"/>
+          <a:chExt cx="0" cy="0"/>
+        </a:xfrm>
+      </p:grpSpPr>
+      <p:pic>
+        <p:nvPicPr>
+          <p:cNvPr id="2" name="Рисунок 1"/>
+          <p:cNvPicPr/>
+          <p:nvPr/>
+        </p:nvPicPr>
+        <p:blipFill>
+          <a:blip r:embed="rId2">
+            <a:extLst>
+              <a:ext uri="{28A0092B-C50C-407E-A947-70E740481C1C}">
+                <a14:useLocalDpi xmlns:a14="http://schemas.microsoft.com/office/drawing/2010/main" val="0"/>
+              </a:ext>
+            </a:extLst>
+          </a:blip>
+          <a:stretch>
+            <a:fillRect/>
+          </a:stretch>
+        </p:blipFill>
+        <p:spPr>
+          <a:xfrm>
+            <a:off x="509405" y="2410692"/>
+            <a:ext cx="11121560" cy="2410028"/>
+          </a:xfrm>
+          <a:prstGeom prst="rect">
+            <a:avLst/>
+          </a:prstGeom>
+        </p:spPr>
+      </p:pic>
+    </p:spTree>
+    <p:extLst>
+      <p:ext uri="{BB962C8B-B14F-4D97-AF65-F5344CB8AC3E}">
+        <p14:creationId xmlns:p14="http://schemas.microsoft.com/office/powerpoint/2010/main" val="3397535076"/>
+      </p:ext>
+    </p:extLst>
+  </p:cSld>
+  <p:clrMapOvr>
+    <a:masterClrMapping/>
+  </p:clrMapOvr>
+</p:sld>
+</file>
+
+<file path=ppt/slides/slide16.xml><?xml version="1.0" encoding="utf-8"?>
+<p:sld xmlns:a="http://schemas.openxmlformats.org/drawingml/2006/main" xmlns:r="http://schemas.openxmlformats.org/officeDocument/2006/relationships" xmlns:p="http://schemas.openxmlformats.org/presentationml/2006/main">
+  <p:cSld>
+    <p:spTree>
+      <p:nvGrpSpPr>
+        <p:cNvPr id="1" name=""/>
+        <p:cNvGrpSpPr/>
+        <p:nvPr/>
+      </p:nvGrpSpPr>
+      <p:grpSpPr>
+        <a:xfrm>
+          <a:off x="0" y="0"/>
+          <a:ext cx="0" cy="0"/>
+          <a:chOff x="0" y="0"/>
+          <a:chExt cx="0" cy="0"/>
+        </a:xfrm>
+      </p:grpSpPr>
+      <p:pic>
+        <p:nvPicPr>
+          <p:cNvPr id="2" name="Рисунок 1"/>
+          <p:cNvPicPr/>
+          <p:nvPr/>
+        </p:nvPicPr>
+        <p:blipFill>
+          <a:blip r:embed="rId2" cstate="print">
+            <a:extLst>
+              <a:ext uri="{28A0092B-C50C-407E-A947-70E740481C1C}">
+                <a14:useLocalDpi xmlns:a14="http://schemas.microsoft.com/office/drawing/2010/main" val="0"/>
+              </a:ext>
+            </a:extLst>
+          </a:blip>
+          <a:stretch>
+            <a:fillRect/>
+          </a:stretch>
+        </p:blipFill>
+        <p:spPr>
+          <a:xfrm>
+            <a:off x="787730" y="819397"/>
+            <a:ext cx="10558228" cy="5084971"/>
+          </a:xfrm>
+          <a:prstGeom prst="rect">
+            <a:avLst/>
+          </a:prstGeom>
+        </p:spPr>
+      </p:pic>
+    </p:spTree>
+    <p:extLst>
+      <p:ext uri="{BB962C8B-B14F-4D97-AF65-F5344CB8AC3E}">
+        <p14:creationId xmlns:p14="http://schemas.microsoft.com/office/powerpoint/2010/main" val="642921103"/>
+      </p:ext>
+    </p:extLst>
+  </p:cSld>
+  <p:clrMapOvr>
+    <a:masterClrMapping/>
+  </p:clrMapOvr>
+</p:sld>
+</file>
+
+<file path=ppt/slides/slide17.xml><?xml version="1.0" encoding="utf-8"?>
+<p:sld xmlns:a="http://schemas.openxmlformats.org/drawingml/2006/main" xmlns:r="http://schemas.openxmlformats.org/officeDocument/2006/relationships" xmlns:p="http://schemas.openxmlformats.org/presentationml/2006/main">
+  <p:cSld>
+    <p:spTree>
+      <p:nvGrpSpPr>
+        <p:cNvPr id="1" name=""/>
+        <p:cNvGrpSpPr/>
+        <p:nvPr/>
+      </p:nvGrpSpPr>
+      <p:grpSpPr>
+        <a:xfrm>
+          <a:off x="0" y="0"/>
+          <a:ext cx="0" cy="0"/>
+          <a:chOff x="0" y="0"/>
+          <a:chExt cx="0" cy="0"/>
+        </a:xfrm>
+      </p:grpSpPr>
+      <p:pic>
+        <p:nvPicPr>
           <p:cNvPr id="7170" name="Picture 2" descr="ÐÐ°ÑÑÐ¸Ð½ÐºÐ¸ Ð¿Ð¾ Ð·Ð°Ð¿ÑÐ¾ÑÑ ÑÐ°Ñ Ð±Ð¾Ñ"/>
           <p:cNvPicPr>
             <a:picLocks noChangeAspect="1" noChangeArrowheads="1"/>
